--- a/페이지구성/웹페이지프로토타입.pptx
+++ b/페이지구성/웹페이지프로토타입.pptx
@@ -13,8 +13,9 @@
     <p:sldId id="262" r:id="rId7"/>
     <p:sldId id="263" r:id="rId8"/>
     <p:sldId id="264" r:id="rId9"/>
-    <p:sldId id="265" r:id="rId10"/>
-    <p:sldId id="259" r:id="rId11"/>
+    <p:sldId id="266" r:id="rId10"/>
+    <p:sldId id="265" r:id="rId11"/>
+    <p:sldId id="259" r:id="rId12"/>
   </p:sldIdLst>
   <p:sldSz cx="12192000" cy="6858000"/>
   <p:notesSz cx="6858000" cy="9144000"/>
@@ -138,7 +139,7 @@
           <p:cNvPr id="2" name="제목 1">
             <a:extLst>
               <a:ext uri="{FF2B5EF4-FFF2-40B4-BE49-F238E27FC236}">
-                <a16:creationId xmlns:a16="http://schemas.microsoft.com/office/drawing/2014/main" id="{64225A2D-C407-CC85-345B-3ED822F72CF1}"/>
+                <a16:creationId xmlns:a16="http://schemas.microsoft.com/office/drawing/2014/main" xmlns="" id="{64225A2D-C407-CC85-345B-3ED822F72CF1}"/>
               </a:ext>
             </a:extLst>
           </p:cNvPr>
@@ -175,7 +176,7 @@
           <p:cNvPr id="3" name="부제목 2">
             <a:extLst>
               <a:ext uri="{FF2B5EF4-FFF2-40B4-BE49-F238E27FC236}">
-                <a16:creationId xmlns:a16="http://schemas.microsoft.com/office/drawing/2014/main" id="{2D7618F6-5161-F294-3090-7C7CC19A8FC4}"/>
+                <a16:creationId xmlns:a16="http://schemas.microsoft.com/office/drawing/2014/main" xmlns="" id="{2D7618F6-5161-F294-3090-7C7CC19A8FC4}"/>
               </a:ext>
             </a:extLst>
           </p:cNvPr>
@@ -245,7 +246,7 @@
           <p:cNvPr id="4" name="날짜 개체 틀 3">
             <a:extLst>
               <a:ext uri="{FF2B5EF4-FFF2-40B4-BE49-F238E27FC236}">
-                <a16:creationId xmlns:a16="http://schemas.microsoft.com/office/drawing/2014/main" id="{FE234E42-16B6-4CBE-A0D1-0954CA6A842E}"/>
+                <a16:creationId xmlns:a16="http://schemas.microsoft.com/office/drawing/2014/main" xmlns="" id="{FE234E42-16B6-4CBE-A0D1-0954CA6A842E}"/>
               </a:ext>
             </a:extLst>
           </p:cNvPr>
@@ -263,7 +264,8 @@
           <a:p>
             <a:fld id="{8D9991AB-0FDA-4941-9B5E-797A7C1616CD}" type="datetimeFigureOut">
               <a:rPr lang="ko-KR" altLang="en-US" smtClean="0"/>
-              <a:t>2023-07-20</a:t>
+              <a:pPr/>
+              <a:t>2023-07-21</a:t>
             </a:fld>
             <a:endParaRPr lang="ko-KR" altLang="en-US"/>
           </a:p>
@@ -274,7 +276,7 @@
           <p:cNvPr id="5" name="바닥글 개체 틀 4">
             <a:extLst>
               <a:ext uri="{FF2B5EF4-FFF2-40B4-BE49-F238E27FC236}">
-                <a16:creationId xmlns:a16="http://schemas.microsoft.com/office/drawing/2014/main" id="{4FBEFC61-FA65-3606-E0B1-90CA7DC8A622}"/>
+                <a16:creationId xmlns:a16="http://schemas.microsoft.com/office/drawing/2014/main" xmlns="" id="{4FBEFC61-FA65-3606-E0B1-90CA7DC8A622}"/>
               </a:ext>
             </a:extLst>
           </p:cNvPr>
@@ -299,7 +301,7 @@
           <p:cNvPr id="6" name="슬라이드 번호 개체 틀 5">
             <a:extLst>
               <a:ext uri="{FF2B5EF4-FFF2-40B4-BE49-F238E27FC236}">
-                <a16:creationId xmlns:a16="http://schemas.microsoft.com/office/drawing/2014/main" id="{677B1D14-1134-B9F3-A1E7-1FF14582452B}"/>
+                <a16:creationId xmlns:a16="http://schemas.microsoft.com/office/drawing/2014/main" xmlns="" id="{677B1D14-1134-B9F3-A1E7-1FF14582452B}"/>
               </a:ext>
             </a:extLst>
           </p:cNvPr>
@@ -317,6 +319,7 @@
           <a:p>
             <a:fld id="{D48C5901-EF3A-40A5-B2CC-DC11593FF907}" type="slidenum">
               <a:rPr lang="ko-KR" altLang="en-US" smtClean="0"/>
+              <a:pPr/>
               <a:t>‹#›</a:t>
             </a:fld>
             <a:endParaRPr lang="ko-KR" altLang="en-US"/>
@@ -326,7 +329,7 @@
     </p:spTree>
     <p:extLst>
       <p:ext uri="{BB962C8B-B14F-4D97-AF65-F5344CB8AC3E}">
-        <p14:creationId xmlns:p14="http://schemas.microsoft.com/office/powerpoint/2010/main" val="4242132333"/>
+        <p14:creationId xmlns:p14="http://schemas.microsoft.com/office/powerpoint/2010/main" xmlns="" val="4242132333"/>
       </p:ext>
     </p:extLst>
   </p:cSld>
@@ -358,7 +361,7 @@
           <p:cNvPr id="2" name="제목 1">
             <a:extLst>
               <a:ext uri="{FF2B5EF4-FFF2-40B4-BE49-F238E27FC236}">
-                <a16:creationId xmlns:a16="http://schemas.microsoft.com/office/drawing/2014/main" id="{A23FC207-6B1B-7CB4-FA62-567D5DE79FF5}"/>
+                <a16:creationId xmlns:a16="http://schemas.microsoft.com/office/drawing/2014/main" xmlns="" id="{A23FC207-6B1B-7CB4-FA62-567D5DE79FF5}"/>
               </a:ext>
             </a:extLst>
           </p:cNvPr>
@@ -386,7 +389,7 @@
           <p:cNvPr id="3" name="세로 텍스트 개체 틀 2">
             <a:extLst>
               <a:ext uri="{FF2B5EF4-FFF2-40B4-BE49-F238E27FC236}">
-                <a16:creationId xmlns:a16="http://schemas.microsoft.com/office/drawing/2014/main" id="{0D7C4304-3C50-96EC-0113-DA87CE3B0E5C}"/>
+                <a16:creationId xmlns:a16="http://schemas.microsoft.com/office/drawing/2014/main" xmlns="" id="{0D7C4304-3C50-96EC-0113-DA87CE3B0E5C}"/>
               </a:ext>
             </a:extLst>
           </p:cNvPr>
@@ -443,7 +446,7 @@
           <p:cNvPr id="4" name="날짜 개체 틀 3">
             <a:extLst>
               <a:ext uri="{FF2B5EF4-FFF2-40B4-BE49-F238E27FC236}">
-                <a16:creationId xmlns:a16="http://schemas.microsoft.com/office/drawing/2014/main" id="{2F34C113-1847-BF45-38A5-7CE9A60BC3EC}"/>
+                <a16:creationId xmlns:a16="http://schemas.microsoft.com/office/drawing/2014/main" xmlns="" id="{2F34C113-1847-BF45-38A5-7CE9A60BC3EC}"/>
               </a:ext>
             </a:extLst>
           </p:cNvPr>
@@ -461,7 +464,8 @@
           <a:p>
             <a:fld id="{8D9991AB-0FDA-4941-9B5E-797A7C1616CD}" type="datetimeFigureOut">
               <a:rPr lang="ko-KR" altLang="en-US" smtClean="0"/>
-              <a:t>2023-07-20</a:t>
+              <a:pPr/>
+              <a:t>2023-07-21</a:t>
             </a:fld>
             <a:endParaRPr lang="ko-KR" altLang="en-US"/>
           </a:p>
@@ -472,7 +476,7 @@
           <p:cNvPr id="5" name="바닥글 개체 틀 4">
             <a:extLst>
               <a:ext uri="{FF2B5EF4-FFF2-40B4-BE49-F238E27FC236}">
-                <a16:creationId xmlns:a16="http://schemas.microsoft.com/office/drawing/2014/main" id="{0E512BA0-B4A8-60B8-0013-53A4FCCE06E5}"/>
+                <a16:creationId xmlns:a16="http://schemas.microsoft.com/office/drawing/2014/main" xmlns="" id="{0E512BA0-B4A8-60B8-0013-53A4FCCE06E5}"/>
               </a:ext>
             </a:extLst>
           </p:cNvPr>
@@ -497,7 +501,7 @@
           <p:cNvPr id="6" name="슬라이드 번호 개체 틀 5">
             <a:extLst>
               <a:ext uri="{FF2B5EF4-FFF2-40B4-BE49-F238E27FC236}">
-                <a16:creationId xmlns:a16="http://schemas.microsoft.com/office/drawing/2014/main" id="{517FCA92-4136-43DC-379F-EFBE8C5088AA}"/>
+                <a16:creationId xmlns:a16="http://schemas.microsoft.com/office/drawing/2014/main" xmlns="" id="{517FCA92-4136-43DC-379F-EFBE8C5088AA}"/>
               </a:ext>
             </a:extLst>
           </p:cNvPr>
@@ -515,6 +519,7 @@
           <a:p>
             <a:fld id="{D48C5901-EF3A-40A5-B2CC-DC11593FF907}" type="slidenum">
               <a:rPr lang="ko-KR" altLang="en-US" smtClean="0"/>
+              <a:pPr/>
               <a:t>‹#›</a:t>
             </a:fld>
             <a:endParaRPr lang="ko-KR" altLang="en-US"/>
@@ -524,7 +529,7 @@
     </p:spTree>
     <p:extLst>
       <p:ext uri="{BB962C8B-B14F-4D97-AF65-F5344CB8AC3E}">
-        <p14:creationId xmlns:p14="http://schemas.microsoft.com/office/powerpoint/2010/main" val="1823087869"/>
+        <p14:creationId xmlns:p14="http://schemas.microsoft.com/office/powerpoint/2010/main" xmlns="" val="1823087869"/>
       </p:ext>
     </p:extLst>
   </p:cSld>
@@ -556,7 +561,7 @@
           <p:cNvPr id="2" name="세로 제목 1">
             <a:extLst>
               <a:ext uri="{FF2B5EF4-FFF2-40B4-BE49-F238E27FC236}">
-                <a16:creationId xmlns:a16="http://schemas.microsoft.com/office/drawing/2014/main" id="{0766C1E4-C75D-C64B-BE2E-A2D5D50CB0EA}"/>
+                <a16:creationId xmlns:a16="http://schemas.microsoft.com/office/drawing/2014/main" xmlns="" id="{0766C1E4-C75D-C64B-BE2E-A2D5D50CB0EA}"/>
               </a:ext>
             </a:extLst>
           </p:cNvPr>
@@ -589,7 +594,7 @@
           <p:cNvPr id="3" name="세로 텍스트 개체 틀 2">
             <a:extLst>
               <a:ext uri="{FF2B5EF4-FFF2-40B4-BE49-F238E27FC236}">
-                <a16:creationId xmlns:a16="http://schemas.microsoft.com/office/drawing/2014/main" id="{F9BCC9E6-AE95-7B03-143A-633755A0CFB7}"/>
+                <a16:creationId xmlns:a16="http://schemas.microsoft.com/office/drawing/2014/main" xmlns="" id="{F9BCC9E6-AE95-7B03-143A-633755A0CFB7}"/>
               </a:ext>
             </a:extLst>
           </p:cNvPr>
@@ -651,7 +656,7 @@
           <p:cNvPr id="4" name="날짜 개체 틀 3">
             <a:extLst>
               <a:ext uri="{FF2B5EF4-FFF2-40B4-BE49-F238E27FC236}">
-                <a16:creationId xmlns:a16="http://schemas.microsoft.com/office/drawing/2014/main" id="{9CBF34A8-F3BC-EA31-25A1-A9F5E040C1D6}"/>
+                <a16:creationId xmlns:a16="http://schemas.microsoft.com/office/drawing/2014/main" xmlns="" id="{9CBF34A8-F3BC-EA31-25A1-A9F5E040C1D6}"/>
               </a:ext>
             </a:extLst>
           </p:cNvPr>
@@ -669,7 +674,8 @@
           <a:p>
             <a:fld id="{8D9991AB-0FDA-4941-9B5E-797A7C1616CD}" type="datetimeFigureOut">
               <a:rPr lang="ko-KR" altLang="en-US" smtClean="0"/>
-              <a:t>2023-07-20</a:t>
+              <a:pPr/>
+              <a:t>2023-07-21</a:t>
             </a:fld>
             <a:endParaRPr lang="ko-KR" altLang="en-US"/>
           </a:p>
@@ -680,7 +686,7 @@
           <p:cNvPr id="5" name="바닥글 개체 틀 4">
             <a:extLst>
               <a:ext uri="{FF2B5EF4-FFF2-40B4-BE49-F238E27FC236}">
-                <a16:creationId xmlns:a16="http://schemas.microsoft.com/office/drawing/2014/main" id="{0E5C67A3-8484-8C26-8D5E-DE28D19F7D6E}"/>
+                <a16:creationId xmlns:a16="http://schemas.microsoft.com/office/drawing/2014/main" xmlns="" id="{0E5C67A3-8484-8C26-8D5E-DE28D19F7D6E}"/>
               </a:ext>
             </a:extLst>
           </p:cNvPr>
@@ -705,7 +711,7 @@
           <p:cNvPr id="6" name="슬라이드 번호 개체 틀 5">
             <a:extLst>
               <a:ext uri="{FF2B5EF4-FFF2-40B4-BE49-F238E27FC236}">
-                <a16:creationId xmlns:a16="http://schemas.microsoft.com/office/drawing/2014/main" id="{72814664-498D-4D58-7A32-79FFBA277FE8}"/>
+                <a16:creationId xmlns:a16="http://schemas.microsoft.com/office/drawing/2014/main" xmlns="" id="{72814664-498D-4D58-7A32-79FFBA277FE8}"/>
               </a:ext>
             </a:extLst>
           </p:cNvPr>
@@ -723,6 +729,7 @@
           <a:p>
             <a:fld id="{D48C5901-EF3A-40A5-B2CC-DC11593FF907}" type="slidenum">
               <a:rPr lang="ko-KR" altLang="en-US" smtClean="0"/>
+              <a:pPr/>
               <a:t>‹#›</a:t>
             </a:fld>
             <a:endParaRPr lang="ko-KR" altLang="en-US"/>
@@ -732,7 +739,7 @@
     </p:spTree>
     <p:extLst>
       <p:ext uri="{BB962C8B-B14F-4D97-AF65-F5344CB8AC3E}">
-        <p14:creationId xmlns:p14="http://schemas.microsoft.com/office/powerpoint/2010/main" val="1509920148"/>
+        <p14:creationId xmlns:p14="http://schemas.microsoft.com/office/powerpoint/2010/main" xmlns="" val="1509920148"/>
       </p:ext>
     </p:extLst>
   </p:cSld>
@@ -764,7 +771,7 @@
           <p:cNvPr id="2" name="제목 1">
             <a:extLst>
               <a:ext uri="{FF2B5EF4-FFF2-40B4-BE49-F238E27FC236}">
-                <a16:creationId xmlns:a16="http://schemas.microsoft.com/office/drawing/2014/main" id="{5E028AD2-863F-8C36-2EF6-14ADE6A4AA67}"/>
+                <a16:creationId xmlns:a16="http://schemas.microsoft.com/office/drawing/2014/main" xmlns="" id="{5E028AD2-863F-8C36-2EF6-14ADE6A4AA67}"/>
               </a:ext>
             </a:extLst>
           </p:cNvPr>
@@ -792,7 +799,7 @@
           <p:cNvPr id="3" name="내용 개체 틀 2">
             <a:extLst>
               <a:ext uri="{FF2B5EF4-FFF2-40B4-BE49-F238E27FC236}">
-                <a16:creationId xmlns:a16="http://schemas.microsoft.com/office/drawing/2014/main" id="{8C9285C3-004A-DBCF-C46D-071FE7E757CD}"/>
+                <a16:creationId xmlns:a16="http://schemas.microsoft.com/office/drawing/2014/main" xmlns="" id="{8C9285C3-004A-DBCF-C46D-071FE7E757CD}"/>
               </a:ext>
             </a:extLst>
           </p:cNvPr>
@@ -849,7 +856,7 @@
           <p:cNvPr id="4" name="날짜 개체 틀 3">
             <a:extLst>
               <a:ext uri="{FF2B5EF4-FFF2-40B4-BE49-F238E27FC236}">
-                <a16:creationId xmlns:a16="http://schemas.microsoft.com/office/drawing/2014/main" id="{E6C319AF-84D7-A7D2-A2B0-5C9F07613EDE}"/>
+                <a16:creationId xmlns:a16="http://schemas.microsoft.com/office/drawing/2014/main" xmlns="" id="{E6C319AF-84D7-A7D2-A2B0-5C9F07613EDE}"/>
               </a:ext>
             </a:extLst>
           </p:cNvPr>
@@ -867,7 +874,8 @@
           <a:p>
             <a:fld id="{8D9991AB-0FDA-4941-9B5E-797A7C1616CD}" type="datetimeFigureOut">
               <a:rPr lang="ko-KR" altLang="en-US" smtClean="0"/>
-              <a:t>2023-07-20</a:t>
+              <a:pPr/>
+              <a:t>2023-07-21</a:t>
             </a:fld>
             <a:endParaRPr lang="ko-KR" altLang="en-US"/>
           </a:p>
@@ -878,7 +886,7 @@
           <p:cNvPr id="5" name="바닥글 개체 틀 4">
             <a:extLst>
               <a:ext uri="{FF2B5EF4-FFF2-40B4-BE49-F238E27FC236}">
-                <a16:creationId xmlns:a16="http://schemas.microsoft.com/office/drawing/2014/main" id="{40DBA4E3-3150-85F2-5264-040F9E442BEA}"/>
+                <a16:creationId xmlns:a16="http://schemas.microsoft.com/office/drawing/2014/main" xmlns="" id="{40DBA4E3-3150-85F2-5264-040F9E442BEA}"/>
               </a:ext>
             </a:extLst>
           </p:cNvPr>
@@ -903,7 +911,7 @@
           <p:cNvPr id="6" name="슬라이드 번호 개체 틀 5">
             <a:extLst>
               <a:ext uri="{FF2B5EF4-FFF2-40B4-BE49-F238E27FC236}">
-                <a16:creationId xmlns:a16="http://schemas.microsoft.com/office/drawing/2014/main" id="{F0596799-6E04-A0BE-2940-236DB7D801EA}"/>
+                <a16:creationId xmlns:a16="http://schemas.microsoft.com/office/drawing/2014/main" xmlns="" id="{F0596799-6E04-A0BE-2940-236DB7D801EA}"/>
               </a:ext>
             </a:extLst>
           </p:cNvPr>
@@ -921,6 +929,7 @@
           <a:p>
             <a:fld id="{D48C5901-EF3A-40A5-B2CC-DC11593FF907}" type="slidenum">
               <a:rPr lang="ko-KR" altLang="en-US" smtClean="0"/>
+              <a:pPr/>
               <a:t>‹#›</a:t>
             </a:fld>
             <a:endParaRPr lang="ko-KR" altLang="en-US"/>
@@ -930,7 +939,7 @@
     </p:spTree>
     <p:extLst>
       <p:ext uri="{BB962C8B-B14F-4D97-AF65-F5344CB8AC3E}">
-        <p14:creationId xmlns:p14="http://schemas.microsoft.com/office/powerpoint/2010/main" val="3126621334"/>
+        <p14:creationId xmlns:p14="http://schemas.microsoft.com/office/powerpoint/2010/main" xmlns="" val="3126621334"/>
       </p:ext>
     </p:extLst>
   </p:cSld>
@@ -962,7 +971,7 @@
           <p:cNvPr id="2" name="제목 1">
             <a:extLst>
               <a:ext uri="{FF2B5EF4-FFF2-40B4-BE49-F238E27FC236}">
-                <a16:creationId xmlns:a16="http://schemas.microsoft.com/office/drawing/2014/main" id="{E4862D94-FF8E-7C3C-FDAD-FD27F71D476E}"/>
+                <a16:creationId xmlns:a16="http://schemas.microsoft.com/office/drawing/2014/main" xmlns="" id="{E4862D94-FF8E-7C3C-FDAD-FD27F71D476E}"/>
               </a:ext>
             </a:extLst>
           </p:cNvPr>
@@ -999,7 +1008,7 @@
           <p:cNvPr id="3" name="텍스트 개체 틀 2">
             <a:extLst>
               <a:ext uri="{FF2B5EF4-FFF2-40B4-BE49-F238E27FC236}">
-                <a16:creationId xmlns:a16="http://schemas.microsoft.com/office/drawing/2014/main" id="{D040702F-2300-BE6E-DF6A-B1E59BE21900}"/>
+                <a16:creationId xmlns:a16="http://schemas.microsoft.com/office/drawing/2014/main" xmlns="" id="{D040702F-2300-BE6E-DF6A-B1E59BE21900}"/>
               </a:ext>
             </a:extLst>
           </p:cNvPr>
@@ -1124,7 +1133,7 @@
           <p:cNvPr id="4" name="날짜 개체 틀 3">
             <a:extLst>
               <a:ext uri="{FF2B5EF4-FFF2-40B4-BE49-F238E27FC236}">
-                <a16:creationId xmlns:a16="http://schemas.microsoft.com/office/drawing/2014/main" id="{332B0DCB-E0C2-7444-6F97-83E3DAAAFCCB}"/>
+                <a16:creationId xmlns:a16="http://schemas.microsoft.com/office/drawing/2014/main" xmlns="" id="{332B0DCB-E0C2-7444-6F97-83E3DAAAFCCB}"/>
               </a:ext>
             </a:extLst>
           </p:cNvPr>
@@ -1142,7 +1151,8 @@
           <a:p>
             <a:fld id="{8D9991AB-0FDA-4941-9B5E-797A7C1616CD}" type="datetimeFigureOut">
               <a:rPr lang="ko-KR" altLang="en-US" smtClean="0"/>
-              <a:t>2023-07-20</a:t>
+              <a:pPr/>
+              <a:t>2023-07-21</a:t>
             </a:fld>
             <a:endParaRPr lang="ko-KR" altLang="en-US"/>
           </a:p>
@@ -1153,7 +1163,7 @@
           <p:cNvPr id="5" name="바닥글 개체 틀 4">
             <a:extLst>
               <a:ext uri="{FF2B5EF4-FFF2-40B4-BE49-F238E27FC236}">
-                <a16:creationId xmlns:a16="http://schemas.microsoft.com/office/drawing/2014/main" id="{9B33BE8C-8947-3C46-4355-DAE1047DC00F}"/>
+                <a16:creationId xmlns:a16="http://schemas.microsoft.com/office/drawing/2014/main" xmlns="" id="{9B33BE8C-8947-3C46-4355-DAE1047DC00F}"/>
               </a:ext>
             </a:extLst>
           </p:cNvPr>
@@ -1178,7 +1188,7 @@
           <p:cNvPr id="6" name="슬라이드 번호 개체 틀 5">
             <a:extLst>
               <a:ext uri="{FF2B5EF4-FFF2-40B4-BE49-F238E27FC236}">
-                <a16:creationId xmlns:a16="http://schemas.microsoft.com/office/drawing/2014/main" id="{2AFBBD54-AF1E-B040-06B2-31E66D8FC8E2}"/>
+                <a16:creationId xmlns:a16="http://schemas.microsoft.com/office/drawing/2014/main" xmlns="" id="{2AFBBD54-AF1E-B040-06B2-31E66D8FC8E2}"/>
               </a:ext>
             </a:extLst>
           </p:cNvPr>
@@ -1196,6 +1206,7 @@
           <a:p>
             <a:fld id="{D48C5901-EF3A-40A5-B2CC-DC11593FF907}" type="slidenum">
               <a:rPr lang="ko-KR" altLang="en-US" smtClean="0"/>
+              <a:pPr/>
               <a:t>‹#›</a:t>
             </a:fld>
             <a:endParaRPr lang="ko-KR" altLang="en-US"/>
@@ -1205,7 +1216,7 @@
     </p:spTree>
     <p:extLst>
       <p:ext uri="{BB962C8B-B14F-4D97-AF65-F5344CB8AC3E}">
-        <p14:creationId xmlns:p14="http://schemas.microsoft.com/office/powerpoint/2010/main" val="1389213481"/>
+        <p14:creationId xmlns:p14="http://schemas.microsoft.com/office/powerpoint/2010/main" xmlns="" val="1389213481"/>
       </p:ext>
     </p:extLst>
   </p:cSld>
@@ -1237,7 +1248,7 @@
           <p:cNvPr id="2" name="제목 1">
             <a:extLst>
               <a:ext uri="{FF2B5EF4-FFF2-40B4-BE49-F238E27FC236}">
-                <a16:creationId xmlns:a16="http://schemas.microsoft.com/office/drawing/2014/main" id="{FA9EEE8F-9323-55E6-8F8F-5E460FBB257F}"/>
+                <a16:creationId xmlns:a16="http://schemas.microsoft.com/office/drawing/2014/main" xmlns="" id="{FA9EEE8F-9323-55E6-8F8F-5E460FBB257F}"/>
               </a:ext>
             </a:extLst>
           </p:cNvPr>
@@ -1265,7 +1276,7 @@
           <p:cNvPr id="3" name="내용 개체 틀 2">
             <a:extLst>
               <a:ext uri="{FF2B5EF4-FFF2-40B4-BE49-F238E27FC236}">
-                <a16:creationId xmlns:a16="http://schemas.microsoft.com/office/drawing/2014/main" id="{8DE21B7F-E0AA-A9A8-36BD-5D660E6FE6E6}"/>
+                <a16:creationId xmlns:a16="http://schemas.microsoft.com/office/drawing/2014/main" xmlns="" id="{8DE21B7F-E0AA-A9A8-36BD-5D660E6FE6E6}"/>
               </a:ext>
             </a:extLst>
           </p:cNvPr>
@@ -1327,7 +1338,7 @@
           <p:cNvPr id="4" name="내용 개체 틀 3">
             <a:extLst>
               <a:ext uri="{FF2B5EF4-FFF2-40B4-BE49-F238E27FC236}">
-                <a16:creationId xmlns:a16="http://schemas.microsoft.com/office/drawing/2014/main" id="{67E5C2BD-020A-1B05-743F-0BE458C50937}"/>
+                <a16:creationId xmlns:a16="http://schemas.microsoft.com/office/drawing/2014/main" xmlns="" id="{67E5C2BD-020A-1B05-743F-0BE458C50937}"/>
               </a:ext>
             </a:extLst>
           </p:cNvPr>
@@ -1389,7 +1400,7 @@
           <p:cNvPr id="5" name="날짜 개체 틀 4">
             <a:extLst>
               <a:ext uri="{FF2B5EF4-FFF2-40B4-BE49-F238E27FC236}">
-                <a16:creationId xmlns:a16="http://schemas.microsoft.com/office/drawing/2014/main" id="{6AA669A7-A5B0-D92E-AADB-257DBD75D3A6}"/>
+                <a16:creationId xmlns:a16="http://schemas.microsoft.com/office/drawing/2014/main" xmlns="" id="{6AA669A7-A5B0-D92E-AADB-257DBD75D3A6}"/>
               </a:ext>
             </a:extLst>
           </p:cNvPr>
@@ -1407,7 +1418,8 @@
           <a:p>
             <a:fld id="{8D9991AB-0FDA-4941-9B5E-797A7C1616CD}" type="datetimeFigureOut">
               <a:rPr lang="ko-KR" altLang="en-US" smtClean="0"/>
-              <a:t>2023-07-20</a:t>
+              <a:pPr/>
+              <a:t>2023-07-21</a:t>
             </a:fld>
             <a:endParaRPr lang="ko-KR" altLang="en-US"/>
           </a:p>
@@ -1418,7 +1430,7 @@
           <p:cNvPr id="6" name="바닥글 개체 틀 5">
             <a:extLst>
               <a:ext uri="{FF2B5EF4-FFF2-40B4-BE49-F238E27FC236}">
-                <a16:creationId xmlns:a16="http://schemas.microsoft.com/office/drawing/2014/main" id="{3881B33F-AA49-85FE-4C23-8942CD731EC6}"/>
+                <a16:creationId xmlns:a16="http://schemas.microsoft.com/office/drawing/2014/main" xmlns="" id="{3881B33F-AA49-85FE-4C23-8942CD731EC6}"/>
               </a:ext>
             </a:extLst>
           </p:cNvPr>
@@ -1443,7 +1455,7 @@
           <p:cNvPr id="7" name="슬라이드 번호 개체 틀 6">
             <a:extLst>
               <a:ext uri="{FF2B5EF4-FFF2-40B4-BE49-F238E27FC236}">
-                <a16:creationId xmlns:a16="http://schemas.microsoft.com/office/drawing/2014/main" id="{77FE85D1-DC2F-3B40-0EF2-113EE4856E91}"/>
+                <a16:creationId xmlns:a16="http://schemas.microsoft.com/office/drawing/2014/main" xmlns="" id="{77FE85D1-DC2F-3B40-0EF2-113EE4856E91}"/>
               </a:ext>
             </a:extLst>
           </p:cNvPr>
@@ -1461,6 +1473,7 @@
           <a:p>
             <a:fld id="{D48C5901-EF3A-40A5-B2CC-DC11593FF907}" type="slidenum">
               <a:rPr lang="ko-KR" altLang="en-US" smtClean="0"/>
+              <a:pPr/>
               <a:t>‹#›</a:t>
             </a:fld>
             <a:endParaRPr lang="ko-KR" altLang="en-US"/>
@@ -1470,7 +1483,7 @@
     </p:spTree>
     <p:extLst>
       <p:ext uri="{BB962C8B-B14F-4D97-AF65-F5344CB8AC3E}">
-        <p14:creationId xmlns:p14="http://schemas.microsoft.com/office/powerpoint/2010/main" val="3653660621"/>
+        <p14:creationId xmlns:p14="http://schemas.microsoft.com/office/powerpoint/2010/main" xmlns="" val="3653660621"/>
       </p:ext>
     </p:extLst>
   </p:cSld>
@@ -1502,7 +1515,7 @@
           <p:cNvPr id="2" name="제목 1">
             <a:extLst>
               <a:ext uri="{FF2B5EF4-FFF2-40B4-BE49-F238E27FC236}">
-                <a16:creationId xmlns:a16="http://schemas.microsoft.com/office/drawing/2014/main" id="{85FE0117-053A-8AC5-8849-548B37720BA1}"/>
+                <a16:creationId xmlns:a16="http://schemas.microsoft.com/office/drawing/2014/main" xmlns="" id="{85FE0117-053A-8AC5-8849-548B37720BA1}"/>
               </a:ext>
             </a:extLst>
           </p:cNvPr>
@@ -1535,7 +1548,7 @@
           <p:cNvPr id="3" name="텍스트 개체 틀 2">
             <a:extLst>
               <a:ext uri="{FF2B5EF4-FFF2-40B4-BE49-F238E27FC236}">
-                <a16:creationId xmlns:a16="http://schemas.microsoft.com/office/drawing/2014/main" id="{01DFB7DA-E3F5-AF23-1098-906CDB8D3DFD}"/>
+                <a16:creationId xmlns:a16="http://schemas.microsoft.com/office/drawing/2014/main" xmlns="" id="{01DFB7DA-E3F5-AF23-1098-906CDB8D3DFD}"/>
               </a:ext>
             </a:extLst>
           </p:cNvPr>
@@ -1606,7 +1619,7 @@
           <p:cNvPr id="4" name="내용 개체 틀 3">
             <a:extLst>
               <a:ext uri="{FF2B5EF4-FFF2-40B4-BE49-F238E27FC236}">
-                <a16:creationId xmlns:a16="http://schemas.microsoft.com/office/drawing/2014/main" id="{56C1975B-209F-CDAD-6E54-E301803FEB5A}"/>
+                <a16:creationId xmlns:a16="http://schemas.microsoft.com/office/drawing/2014/main" xmlns="" id="{56C1975B-209F-CDAD-6E54-E301803FEB5A}"/>
               </a:ext>
             </a:extLst>
           </p:cNvPr>
@@ -1668,7 +1681,7 @@
           <p:cNvPr id="5" name="텍스트 개체 틀 4">
             <a:extLst>
               <a:ext uri="{FF2B5EF4-FFF2-40B4-BE49-F238E27FC236}">
-                <a16:creationId xmlns:a16="http://schemas.microsoft.com/office/drawing/2014/main" id="{3060CF3C-3252-4C79-296A-23A44A46D87F}"/>
+                <a16:creationId xmlns:a16="http://schemas.microsoft.com/office/drawing/2014/main" xmlns="" id="{3060CF3C-3252-4C79-296A-23A44A46D87F}"/>
               </a:ext>
             </a:extLst>
           </p:cNvPr>
@@ -1739,7 +1752,7 @@
           <p:cNvPr id="6" name="내용 개체 틀 5">
             <a:extLst>
               <a:ext uri="{FF2B5EF4-FFF2-40B4-BE49-F238E27FC236}">
-                <a16:creationId xmlns:a16="http://schemas.microsoft.com/office/drawing/2014/main" id="{A12C37B5-40D8-77E6-7480-BAFC40F1FC0C}"/>
+                <a16:creationId xmlns:a16="http://schemas.microsoft.com/office/drawing/2014/main" xmlns="" id="{A12C37B5-40D8-77E6-7480-BAFC40F1FC0C}"/>
               </a:ext>
             </a:extLst>
           </p:cNvPr>
@@ -1801,7 +1814,7 @@
           <p:cNvPr id="7" name="날짜 개체 틀 6">
             <a:extLst>
               <a:ext uri="{FF2B5EF4-FFF2-40B4-BE49-F238E27FC236}">
-                <a16:creationId xmlns:a16="http://schemas.microsoft.com/office/drawing/2014/main" id="{F410189B-E7F1-8CB1-37D3-C13EE9D31EB3}"/>
+                <a16:creationId xmlns:a16="http://schemas.microsoft.com/office/drawing/2014/main" xmlns="" id="{F410189B-E7F1-8CB1-37D3-C13EE9D31EB3}"/>
               </a:ext>
             </a:extLst>
           </p:cNvPr>
@@ -1819,7 +1832,8 @@
           <a:p>
             <a:fld id="{8D9991AB-0FDA-4941-9B5E-797A7C1616CD}" type="datetimeFigureOut">
               <a:rPr lang="ko-KR" altLang="en-US" smtClean="0"/>
-              <a:t>2023-07-20</a:t>
+              <a:pPr/>
+              <a:t>2023-07-21</a:t>
             </a:fld>
             <a:endParaRPr lang="ko-KR" altLang="en-US"/>
           </a:p>
@@ -1830,7 +1844,7 @@
           <p:cNvPr id="8" name="바닥글 개체 틀 7">
             <a:extLst>
               <a:ext uri="{FF2B5EF4-FFF2-40B4-BE49-F238E27FC236}">
-                <a16:creationId xmlns:a16="http://schemas.microsoft.com/office/drawing/2014/main" id="{3D384CF1-07C0-630E-3BCA-BD3D5F3D2F57}"/>
+                <a16:creationId xmlns:a16="http://schemas.microsoft.com/office/drawing/2014/main" xmlns="" id="{3D384CF1-07C0-630E-3BCA-BD3D5F3D2F57}"/>
               </a:ext>
             </a:extLst>
           </p:cNvPr>
@@ -1855,7 +1869,7 @@
           <p:cNvPr id="9" name="슬라이드 번호 개체 틀 8">
             <a:extLst>
               <a:ext uri="{FF2B5EF4-FFF2-40B4-BE49-F238E27FC236}">
-                <a16:creationId xmlns:a16="http://schemas.microsoft.com/office/drawing/2014/main" id="{8D3FD9FB-D2CC-C008-8CC1-D6A68A692880}"/>
+                <a16:creationId xmlns:a16="http://schemas.microsoft.com/office/drawing/2014/main" xmlns="" id="{8D3FD9FB-D2CC-C008-8CC1-D6A68A692880}"/>
               </a:ext>
             </a:extLst>
           </p:cNvPr>
@@ -1873,6 +1887,7 @@
           <a:p>
             <a:fld id="{D48C5901-EF3A-40A5-B2CC-DC11593FF907}" type="slidenum">
               <a:rPr lang="ko-KR" altLang="en-US" smtClean="0"/>
+              <a:pPr/>
               <a:t>‹#›</a:t>
             </a:fld>
             <a:endParaRPr lang="ko-KR" altLang="en-US"/>
@@ -1882,7 +1897,7 @@
     </p:spTree>
     <p:extLst>
       <p:ext uri="{BB962C8B-B14F-4D97-AF65-F5344CB8AC3E}">
-        <p14:creationId xmlns:p14="http://schemas.microsoft.com/office/powerpoint/2010/main" val="2527516713"/>
+        <p14:creationId xmlns:p14="http://schemas.microsoft.com/office/powerpoint/2010/main" xmlns="" val="2527516713"/>
       </p:ext>
     </p:extLst>
   </p:cSld>
@@ -1914,7 +1929,7 @@
           <p:cNvPr id="2" name="제목 1">
             <a:extLst>
               <a:ext uri="{FF2B5EF4-FFF2-40B4-BE49-F238E27FC236}">
-                <a16:creationId xmlns:a16="http://schemas.microsoft.com/office/drawing/2014/main" id="{80081874-63BC-0673-D2C2-A055FB1A9ED5}"/>
+                <a16:creationId xmlns:a16="http://schemas.microsoft.com/office/drawing/2014/main" xmlns="" id="{80081874-63BC-0673-D2C2-A055FB1A9ED5}"/>
               </a:ext>
             </a:extLst>
           </p:cNvPr>
@@ -1942,7 +1957,7 @@
           <p:cNvPr id="3" name="날짜 개체 틀 2">
             <a:extLst>
               <a:ext uri="{FF2B5EF4-FFF2-40B4-BE49-F238E27FC236}">
-                <a16:creationId xmlns:a16="http://schemas.microsoft.com/office/drawing/2014/main" id="{5C9F4F95-0AD5-C34F-4B37-D9B2A10CF75F}"/>
+                <a16:creationId xmlns:a16="http://schemas.microsoft.com/office/drawing/2014/main" xmlns="" id="{5C9F4F95-0AD5-C34F-4B37-D9B2A10CF75F}"/>
               </a:ext>
             </a:extLst>
           </p:cNvPr>
@@ -1960,7 +1975,8 @@
           <a:p>
             <a:fld id="{8D9991AB-0FDA-4941-9B5E-797A7C1616CD}" type="datetimeFigureOut">
               <a:rPr lang="ko-KR" altLang="en-US" smtClean="0"/>
-              <a:t>2023-07-20</a:t>
+              <a:pPr/>
+              <a:t>2023-07-21</a:t>
             </a:fld>
             <a:endParaRPr lang="ko-KR" altLang="en-US"/>
           </a:p>
@@ -1971,7 +1987,7 @@
           <p:cNvPr id="4" name="바닥글 개체 틀 3">
             <a:extLst>
               <a:ext uri="{FF2B5EF4-FFF2-40B4-BE49-F238E27FC236}">
-                <a16:creationId xmlns:a16="http://schemas.microsoft.com/office/drawing/2014/main" id="{A2563DD8-8DCE-4C43-073D-D5682E3B4A53}"/>
+                <a16:creationId xmlns:a16="http://schemas.microsoft.com/office/drawing/2014/main" xmlns="" id="{A2563DD8-8DCE-4C43-073D-D5682E3B4A53}"/>
               </a:ext>
             </a:extLst>
           </p:cNvPr>
@@ -1996,7 +2012,7 @@
           <p:cNvPr id="5" name="슬라이드 번호 개체 틀 4">
             <a:extLst>
               <a:ext uri="{FF2B5EF4-FFF2-40B4-BE49-F238E27FC236}">
-                <a16:creationId xmlns:a16="http://schemas.microsoft.com/office/drawing/2014/main" id="{7AE17684-539C-B804-396D-974C9A45F4CC}"/>
+                <a16:creationId xmlns:a16="http://schemas.microsoft.com/office/drawing/2014/main" xmlns="" id="{7AE17684-539C-B804-396D-974C9A45F4CC}"/>
               </a:ext>
             </a:extLst>
           </p:cNvPr>
@@ -2014,6 +2030,7 @@
           <a:p>
             <a:fld id="{D48C5901-EF3A-40A5-B2CC-DC11593FF907}" type="slidenum">
               <a:rPr lang="ko-KR" altLang="en-US" smtClean="0"/>
+              <a:pPr/>
               <a:t>‹#›</a:t>
             </a:fld>
             <a:endParaRPr lang="ko-KR" altLang="en-US"/>
@@ -2023,7 +2040,7 @@
     </p:spTree>
     <p:extLst>
       <p:ext uri="{BB962C8B-B14F-4D97-AF65-F5344CB8AC3E}">
-        <p14:creationId xmlns:p14="http://schemas.microsoft.com/office/powerpoint/2010/main" val="2401826611"/>
+        <p14:creationId xmlns:p14="http://schemas.microsoft.com/office/powerpoint/2010/main" xmlns="" val="2401826611"/>
       </p:ext>
     </p:extLst>
   </p:cSld>
@@ -2055,7 +2072,7 @@
           <p:cNvPr id="2" name="날짜 개체 틀 1">
             <a:extLst>
               <a:ext uri="{FF2B5EF4-FFF2-40B4-BE49-F238E27FC236}">
-                <a16:creationId xmlns:a16="http://schemas.microsoft.com/office/drawing/2014/main" id="{DE213DBA-2320-0305-17DA-F56A1B66D78A}"/>
+                <a16:creationId xmlns:a16="http://schemas.microsoft.com/office/drawing/2014/main" xmlns="" id="{DE213DBA-2320-0305-17DA-F56A1B66D78A}"/>
               </a:ext>
             </a:extLst>
           </p:cNvPr>
@@ -2073,7 +2090,8 @@
           <a:p>
             <a:fld id="{8D9991AB-0FDA-4941-9B5E-797A7C1616CD}" type="datetimeFigureOut">
               <a:rPr lang="ko-KR" altLang="en-US" smtClean="0"/>
-              <a:t>2023-07-20</a:t>
+              <a:pPr/>
+              <a:t>2023-07-21</a:t>
             </a:fld>
             <a:endParaRPr lang="ko-KR" altLang="en-US"/>
           </a:p>
@@ -2084,7 +2102,7 @@
           <p:cNvPr id="3" name="바닥글 개체 틀 2">
             <a:extLst>
               <a:ext uri="{FF2B5EF4-FFF2-40B4-BE49-F238E27FC236}">
-                <a16:creationId xmlns:a16="http://schemas.microsoft.com/office/drawing/2014/main" id="{F808BFE8-6358-ECD3-DAED-87B782715E52}"/>
+                <a16:creationId xmlns:a16="http://schemas.microsoft.com/office/drawing/2014/main" xmlns="" id="{F808BFE8-6358-ECD3-DAED-87B782715E52}"/>
               </a:ext>
             </a:extLst>
           </p:cNvPr>
@@ -2109,7 +2127,7 @@
           <p:cNvPr id="4" name="슬라이드 번호 개체 틀 3">
             <a:extLst>
               <a:ext uri="{FF2B5EF4-FFF2-40B4-BE49-F238E27FC236}">
-                <a16:creationId xmlns:a16="http://schemas.microsoft.com/office/drawing/2014/main" id="{ED2CC6DB-C5F6-D6F6-390B-4AE11D0033CB}"/>
+                <a16:creationId xmlns:a16="http://schemas.microsoft.com/office/drawing/2014/main" xmlns="" id="{ED2CC6DB-C5F6-D6F6-390B-4AE11D0033CB}"/>
               </a:ext>
             </a:extLst>
           </p:cNvPr>
@@ -2127,6 +2145,7 @@
           <a:p>
             <a:fld id="{D48C5901-EF3A-40A5-B2CC-DC11593FF907}" type="slidenum">
               <a:rPr lang="ko-KR" altLang="en-US" smtClean="0"/>
+              <a:pPr/>
               <a:t>‹#›</a:t>
             </a:fld>
             <a:endParaRPr lang="ko-KR" altLang="en-US"/>
@@ -2136,7 +2155,7 @@
     </p:spTree>
     <p:extLst>
       <p:ext uri="{BB962C8B-B14F-4D97-AF65-F5344CB8AC3E}">
-        <p14:creationId xmlns:p14="http://schemas.microsoft.com/office/powerpoint/2010/main" val="2262355849"/>
+        <p14:creationId xmlns:p14="http://schemas.microsoft.com/office/powerpoint/2010/main" xmlns="" val="2262355849"/>
       </p:ext>
     </p:extLst>
   </p:cSld>
@@ -2168,7 +2187,7 @@
           <p:cNvPr id="2" name="제목 1">
             <a:extLst>
               <a:ext uri="{FF2B5EF4-FFF2-40B4-BE49-F238E27FC236}">
-                <a16:creationId xmlns:a16="http://schemas.microsoft.com/office/drawing/2014/main" id="{FB9F0529-FEC1-D05B-059F-AC06C54409D6}"/>
+                <a16:creationId xmlns:a16="http://schemas.microsoft.com/office/drawing/2014/main" xmlns="" id="{FB9F0529-FEC1-D05B-059F-AC06C54409D6}"/>
               </a:ext>
             </a:extLst>
           </p:cNvPr>
@@ -2205,7 +2224,7 @@
           <p:cNvPr id="3" name="내용 개체 틀 2">
             <a:extLst>
               <a:ext uri="{FF2B5EF4-FFF2-40B4-BE49-F238E27FC236}">
-                <a16:creationId xmlns:a16="http://schemas.microsoft.com/office/drawing/2014/main" id="{FE509C3E-0F38-5C41-0CB4-F9ABB3508D86}"/>
+                <a16:creationId xmlns:a16="http://schemas.microsoft.com/office/drawing/2014/main" xmlns="" id="{FE509C3E-0F38-5C41-0CB4-F9ABB3508D86}"/>
               </a:ext>
             </a:extLst>
           </p:cNvPr>
@@ -2295,7 +2314,7 @@
           <p:cNvPr id="4" name="텍스트 개체 틀 3">
             <a:extLst>
               <a:ext uri="{FF2B5EF4-FFF2-40B4-BE49-F238E27FC236}">
-                <a16:creationId xmlns:a16="http://schemas.microsoft.com/office/drawing/2014/main" id="{CA7D9EE5-289B-EE6C-7AD3-4CB82DF6AC59}"/>
+                <a16:creationId xmlns:a16="http://schemas.microsoft.com/office/drawing/2014/main" xmlns="" id="{CA7D9EE5-289B-EE6C-7AD3-4CB82DF6AC59}"/>
               </a:ext>
             </a:extLst>
           </p:cNvPr>
@@ -2366,7 +2385,7 @@
           <p:cNvPr id="5" name="날짜 개체 틀 4">
             <a:extLst>
               <a:ext uri="{FF2B5EF4-FFF2-40B4-BE49-F238E27FC236}">
-                <a16:creationId xmlns:a16="http://schemas.microsoft.com/office/drawing/2014/main" id="{DC34109A-D395-5673-0343-0FB06AB995F4}"/>
+                <a16:creationId xmlns:a16="http://schemas.microsoft.com/office/drawing/2014/main" xmlns="" id="{DC34109A-D395-5673-0343-0FB06AB995F4}"/>
               </a:ext>
             </a:extLst>
           </p:cNvPr>
@@ -2384,7 +2403,8 @@
           <a:p>
             <a:fld id="{8D9991AB-0FDA-4941-9B5E-797A7C1616CD}" type="datetimeFigureOut">
               <a:rPr lang="ko-KR" altLang="en-US" smtClean="0"/>
-              <a:t>2023-07-20</a:t>
+              <a:pPr/>
+              <a:t>2023-07-21</a:t>
             </a:fld>
             <a:endParaRPr lang="ko-KR" altLang="en-US"/>
           </a:p>
@@ -2395,7 +2415,7 @@
           <p:cNvPr id="6" name="바닥글 개체 틀 5">
             <a:extLst>
               <a:ext uri="{FF2B5EF4-FFF2-40B4-BE49-F238E27FC236}">
-                <a16:creationId xmlns:a16="http://schemas.microsoft.com/office/drawing/2014/main" id="{EE7EFE73-24BB-8D5A-BAD2-17D998FEC541}"/>
+                <a16:creationId xmlns:a16="http://schemas.microsoft.com/office/drawing/2014/main" xmlns="" id="{EE7EFE73-24BB-8D5A-BAD2-17D998FEC541}"/>
               </a:ext>
             </a:extLst>
           </p:cNvPr>
@@ -2420,7 +2440,7 @@
           <p:cNvPr id="7" name="슬라이드 번호 개체 틀 6">
             <a:extLst>
               <a:ext uri="{FF2B5EF4-FFF2-40B4-BE49-F238E27FC236}">
-                <a16:creationId xmlns:a16="http://schemas.microsoft.com/office/drawing/2014/main" id="{F4ECA5C1-AEE3-D29B-D2EE-7768176CE489}"/>
+                <a16:creationId xmlns:a16="http://schemas.microsoft.com/office/drawing/2014/main" xmlns="" id="{F4ECA5C1-AEE3-D29B-D2EE-7768176CE489}"/>
               </a:ext>
             </a:extLst>
           </p:cNvPr>
@@ -2438,6 +2458,7 @@
           <a:p>
             <a:fld id="{D48C5901-EF3A-40A5-B2CC-DC11593FF907}" type="slidenum">
               <a:rPr lang="ko-KR" altLang="en-US" smtClean="0"/>
+              <a:pPr/>
               <a:t>‹#›</a:t>
             </a:fld>
             <a:endParaRPr lang="ko-KR" altLang="en-US"/>
@@ -2447,7 +2468,7 @@
     </p:spTree>
     <p:extLst>
       <p:ext uri="{BB962C8B-B14F-4D97-AF65-F5344CB8AC3E}">
-        <p14:creationId xmlns:p14="http://schemas.microsoft.com/office/powerpoint/2010/main" val="3858918062"/>
+        <p14:creationId xmlns:p14="http://schemas.microsoft.com/office/powerpoint/2010/main" xmlns="" val="3858918062"/>
       </p:ext>
     </p:extLst>
   </p:cSld>
@@ -2479,7 +2500,7 @@
           <p:cNvPr id="2" name="제목 1">
             <a:extLst>
               <a:ext uri="{FF2B5EF4-FFF2-40B4-BE49-F238E27FC236}">
-                <a16:creationId xmlns:a16="http://schemas.microsoft.com/office/drawing/2014/main" id="{86B9196D-21E9-95EC-F338-14B0E72F9739}"/>
+                <a16:creationId xmlns:a16="http://schemas.microsoft.com/office/drawing/2014/main" xmlns="" id="{86B9196D-21E9-95EC-F338-14B0E72F9739}"/>
               </a:ext>
             </a:extLst>
           </p:cNvPr>
@@ -2516,7 +2537,7 @@
           <p:cNvPr id="3" name="그림 개체 틀 2">
             <a:extLst>
               <a:ext uri="{FF2B5EF4-FFF2-40B4-BE49-F238E27FC236}">
-                <a16:creationId xmlns:a16="http://schemas.microsoft.com/office/drawing/2014/main" id="{02A906CA-48DC-F173-3294-7B78C403A896}"/>
+                <a16:creationId xmlns:a16="http://schemas.microsoft.com/office/drawing/2014/main" xmlns="" id="{02A906CA-48DC-F173-3294-7B78C403A896}"/>
               </a:ext>
             </a:extLst>
           </p:cNvPr>
@@ -2583,7 +2604,7 @@
           <p:cNvPr id="4" name="텍스트 개체 틀 3">
             <a:extLst>
               <a:ext uri="{FF2B5EF4-FFF2-40B4-BE49-F238E27FC236}">
-                <a16:creationId xmlns:a16="http://schemas.microsoft.com/office/drawing/2014/main" id="{C80E1164-BECA-45C3-F3DC-7108D7A864B0}"/>
+                <a16:creationId xmlns:a16="http://schemas.microsoft.com/office/drawing/2014/main" xmlns="" id="{C80E1164-BECA-45C3-F3DC-7108D7A864B0}"/>
               </a:ext>
             </a:extLst>
           </p:cNvPr>
@@ -2654,7 +2675,7 @@
           <p:cNvPr id="5" name="날짜 개체 틀 4">
             <a:extLst>
               <a:ext uri="{FF2B5EF4-FFF2-40B4-BE49-F238E27FC236}">
-                <a16:creationId xmlns:a16="http://schemas.microsoft.com/office/drawing/2014/main" id="{D9872B25-2ED9-9AF5-6644-2322C55724A6}"/>
+                <a16:creationId xmlns:a16="http://schemas.microsoft.com/office/drawing/2014/main" xmlns="" id="{D9872B25-2ED9-9AF5-6644-2322C55724A6}"/>
               </a:ext>
             </a:extLst>
           </p:cNvPr>
@@ -2672,7 +2693,8 @@
           <a:p>
             <a:fld id="{8D9991AB-0FDA-4941-9B5E-797A7C1616CD}" type="datetimeFigureOut">
               <a:rPr lang="ko-KR" altLang="en-US" smtClean="0"/>
-              <a:t>2023-07-20</a:t>
+              <a:pPr/>
+              <a:t>2023-07-21</a:t>
             </a:fld>
             <a:endParaRPr lang="ko-KR" altLang="en-US"/>
           </a:p>
@@ -2683,7 +2705,7 @@
           <p:cNvPr id="6" name="바닥글 개체 틀 5">
             <a:extLst>
               <a:ext uri="{FF2B5EF4-FFF2-40B4-BE49-F238E27FC236}">
-                <a16:creationId xmlns:a16="http://schemas.microsoft.com/office/drawing/2014/main" id="{03602202-93A4-8979-6D0D-8521E00DF1EC}"/>
+                <a16:creationId xmlns:a16="http://schemas.microsoft.com/office/drawing/2014/main" xmlns="" id="{03602202-93A4-8979-6D0D-8521E00DF1EC}"/>
               </a:ext>
             </a:extLst>
           </p:cNvPr>
@@ -2708,7 +2730,7 @@
           <p:cNvPr id="7" name="슬라이드 번호 개체 틀 6">
             <a:extLst>
               <a:ext uri="{FF2B5EF4-FFF2-40B4-BE49-F238E27FC236}">
-                <a16:creationId xmlns:a16="http://schemas.microsoft.com/office/drawing/2014/main" id="{F5317230-5CF5-F6D3-B7F2-C7F53B1A55ED}"/>
+                <a16:creationId xmlns:a16="http://schemas.microsoft.com/office/drawing/2014/main" xmlns="" id="{F5317230-5CF5-F6D3-B7F2-C7F53B1A55ED}"/>
               </a:ext>
             </a:extLst>
           </p:cNvPr>
@@ -2726,6 +2748,7 @@
           <a:p>
             <a:fld id="{D48C5901-EF3A-40A5-B2CC-DC11593FF907}" type="slidenum">
               <a:rPr lang="ko-KR" altLang="en-US" smtClean="0"/>
+              <a:pPr/>
               <a:t>‹#›</a:t>
             </a:fld>
             <a:endParaRPr lang="ko-KR" altLang="en-US"/>
@@ -2735,7 +2758,7 @@
     </p:spTree>
     <p:extLst>
       <p:ext uri="{BB962C8B-B14F-4D97-AF65-F5344CB8AC3E}">
-        <p14:creationId xmlns:p14="http://schemas.microsoft.com/office/powerpoint/2010/main" val="1113698495"/>
+        <p14:creationId xmlns:p14="http://schemas.microsoft.com/office/powerpoint/2010/main" xmlns="" val="1113698495"/>
       </p:ext>
     </p:extLst>
   </p:cSld>
@@ -2772,7 +2795,7 @@
           <p:cNvPr id="2" name="제목 개체 틀 1">
             <a:extLst>
               <a:ext uri="{FF2B5EF4-FFF2-40B4-BE49-F238E27FC236}">
-                <a16:creationId xmlns:a16="http://schemas.microsoft.com/office/drawing/2014/main" id="{7731D48D-59C8-66AE-4DA4-331BC4785E09}"/>
+                <a16:creationId xmlns:a16="http://schemas.microsoft.com/office/drawing/2014/main" xmlns="" id="{7731D48D-59C8-66AE-4DA4-331BC4785E09}"/>
               </a:ext>
             </a:extLst>
           </p:cNvPr>
@@ -2810,7 +2833,7 @@
           <p:cNvPr id="3" name="텍스트 개체 틀 2">
             <a:extLst>
               <a:ext uri="{FF2B5EF4-FFF2-40B4-BE49-F238E27FC236}">
-                <a16:creationId xmlns:a16="http://schemas.microsoft.com/office/drawing/2014/main" id="{E674F019-B7CF-E9A8-5C85-0A8E94C1AF02}"/>
+                <a16:creationId xmlns:a16="http://schemas.microsoft.com/office/drawing/2014/main" xmlns="" id="{E674F019-B7CF-E9A8-5C85-0A8E94C1AF02}"/>
               </a:ext>
             </a:extLst>
           </p:cNvPr>
@@ -2877,7 +2900,7 @@
           <p:cNvPr id="4" name="날짜 개체 틀 3">
             <a:extLst>
               <a:ext uri="{FF2B5EF4-FFF2-40B4-BE49-F238E27FC236}">
-                <a16:creationId xmlns:a16="http://schemas.microsoft.com/office/drawing/2014/main" id="{315608B1-7AA2-E55C-0FA3-A347EC0B2C14}"/>
+                <a16:creationId xmlns:a16="http://schemas.microsoft.com/office/drawing/2014/main" xmlns="" id="{315608B1-7AA2-E55C-0FA3-A347EC0B2C14}"/>
               </a:ext>
             </a:extLst>
           </p:cNvPr>
@@ -2913,7 +2936,8 @@
           <a:p>
             <a:fld id="{8D9991AB-0FDA-4941-9B5E-797A7C1616CD}" type="datetimeFigureOut">
               <a:rPr lang="ko-KR" altLang="en-US" smtClean="0"/>
-              <a:t>2023-07-20</a:t>
+              <a:pPr/>
+              <a:t>2023-07-21</a:t>
             </a:fld>
             <a:endParaRPr lang="ko-KR" altLang="en-US"/>
           </a:p>
@@ -2924,7 +2948,7 @@
           <p:cNvPr id="5" name="바닥글 개체 틀 4">
             <a:extLst>
               <a:ext uri="{FF2B5EF4-FFF2-40B4-BE49-F238E27FC236}">
-                <a16:creationId xmlns:a16="http://schemas.microsoft.com/office/drawing/2014/main" id="{55E8A80E-2EF2-946A-C06E-988FCCFAF12D}"/>
+                <a16:creationId xmlns:a16="http://schemas.microsoft.com/office/drawing/2014/main" xmlns="" id="{55E8A80E-2EF2-946A-C06E-988FCCFAF12D}"/>
               </a:ext>
             </a:extLst>
           </p:cNvPr>
@@ -2967,7 +2991,7 @@
           <p:cNvPr id="6" name="슬라이드 번호 개체 틀 5">
             <a:extLst>
               <a:ext uri="{FF2B5EF4-FFF2-40B4-BE49-F238E27FC236}">
-                <a16:creationId xmlns:a16="http://schemas.microsoft.com/office/drawing/2014/main" id="{401B788A-F997-72BE-D4F1-CC6175C1D50C}"/>
+                <a16:creationId xmlns:a16="http://schemas.microsoft.com/office/drawing/2014/main" xmlns="" id="{401B788A-F997-72BE-D4F1-CC6175C1D50C}"/>
               </a:ext>
             </a:extLst>
           </p:cNvPr>
@@ -3003,6 +3027,7 @@
           <a:p>
             <a:fld id="{D48C5901-EF3A-40A5-B2CC-DC11593FF907}" type="slidenum">
               <a:rPr lang="ko-KR" altLang="en-US" smtClean="0"/>
+              <a:pPr/>
               <a:t>‹#›</a:t>
             </a:fld>
             <a:endParaRPr lang="ko-KR" altLang="en-US"/>
@@ -3012,7 +3037,7 @@
     </p:spTree>
     <p:extLst>
       <p:ext uri="{BB962C8B-B14F-4D97-AF65-F5344CB8AC3E}">
-        <p14:creationId xmlns:p14="http://schemas.microsoft.com/office/powerpoint/2010/main" val="1186528835"/>
+        <p14:creationId xmlns:p14="http://schemas.microsoft.com/office/powerpoint/2010/main" xmlns="" val="1186528835"/>
       </p:ext>
     </p:extLst>
   </p:cSld>
@@ -3335,7 +3360,7 @@
           <p:cNvPr id="4" name="직사각형 3">
             <a:extLst>
               <a:ext uri="{FF2B5EF4-FFF2-40B4-BE49-F238E27FC236}">
-                <a16:creationId xmlns:a16="http://schemas.microsoft.com/office/drawing/2014/main" id="{F012BD01-A80E-5E08-B71B-D94FF6CCA886}"/>
+                <a16:creationId xmlns:a16="http://schemas.microsoft.com/office/drawing/2014/main" xmlns="" id="{F012BD01-A80E-5E08-B71B-D94FF6CCA886}"/>
               </a:ext>
             </a:extLst>
           </p:cNvPr>
@@ -3387,7 +3412,7 @@
           <p:cNvPr id="5" name="TextBox 4">
             <a:extLst>
               <a:ext uri="{FF2B5EF4-FFF2-40B4-BE49-F238E27FC236}">
-                <a16:creationId xmlns:a16="http://schemas.microsoft.com/office/drawing/2014/main" id="{B54E14DD-60EF-4A40-B8FA-403D24565AFA}"/>
+                <a16:creationId xmlns:a16="http://schemas.microsoft.com/office/drawing/2014/main" xmlns="" id="{B54E14DD-60EF-4A40-B8FA-403D24565AFA}"/>
               </a:ext>
             </a:extLst>
           </p:cNvPr>
@@ -3422,7 +3447,7 @@
           <p:cNvPr id="6" name="직사각형 5">
             <a:extLst>
               <a:ext uri="{FF2B5EF4-FFF2-40B4-BE49-F238E27FC236}">
-                <a16:creationId xmlns:a16="http://schemas.microsoft.com/office/drawing/2014/main" id="{4964EADF-3817-5233-3346-9A4456303997}"/>
+                <a16:creationId xmlns:a16="http://schemas.microsoft.com/office/drawing/2014/main" xmlns="" id="{4964EADF-3817-5233-3346-9A4456303997}"/>
               </a:ext>
             </a:extLst>
           </p:cNvPr>
@@ -3474,7 +3499,7 @@
           <p:cNvPr id="7" name="직사각형 6">
             <a:extLst>
               <a:ext uri="{FF2B5EF4-FFF2-40B4-BE49-F238E27FC236}">
-                <a16:creationId xmlns:a16="http://schemas.microsoft.com/office/drawing/2014/main" id="{F99AD098-1BD7-75F0-D6A0-6D9DB6479EC0}"/>
+                <a16:creationId xmlns:a16="http://schemas.microsoft.com/office/drawing/2014/main" xmlns="" id="{F99AD098-1BD7-75F0-D6A0-6D9DB6479EC0}"/>
               </a:ext>
             </a:extLst>
           </p:cNvPr>
@@ -3526,7 +3551,7 @@
           <p:cNvPr id="8" name="TextBox 7">
             <a:extLst>
               <a:ext uri="{FF2B5EF4-FFF2-40B4-BE49-F238E27FC236}">
-                <a16:creationId xmlns:a16="http://schemas.microsoft.com/office/drawing/2014/main" id="{9CC0024D-C9AA-E877-8CEA-F1C1D2F33D48}"/>
+                <a16:creationId xmlns:a16="http://schemas.microsoft.com/office/drawing/2014/main" xmlns="" id="{9CC0024D-C9AA-E877-8CEA-F1C1D2F33D48}"/>
               </a:ext>
             </a:extLst>
           </p:cNvPr>
@@ -3566,7 +3591,7 @@
           <p:cNvPr id="9" name="직사각형 8">
             <a:extLst>
               <a:ext uri="{FF2B5EF4-FFF2-40B4-BE49-F238E27FC236}">
-                <a16:creationId xmlns:a16="http://schemas.microsoft.com/office/drawing/2014/main" id="{FF182405-D367-1923-3C22-07BBDFA75DDC}"/>
+                <a16:creationId xmlns:a16="http://schemas.microsoft.com/office/drawing/2014/main" xmlns="" id="{FF182405-D367-1923-3C22-07BBDFA75DDC}"/>
               </a:ext>
             </a:extLst>
           </p:cNvPr>
@@ -3618,7 +3643,7 @@
           <p:cNvPr id="10" name="TextBox 9">
             <a:extLst>
               <a:ext uri="{FF2B5EF4-FFF2-40B4-BE49-F238E27FC236}">
-                <a16:creationId xmlns:a16="http://schemas.microsoft.com/office/drawing/2014/main" id="{B4B2AC72-8D79-D02F-9C2E-4B479CA451D5}"/>
+                <a16:creationId xmlns:a16="http://schemas.microsoft.com/office/drawing/2014/main" xmlns="" id="{B4B2AC72-8D79-D02F-9C2E-4B479CA451D5}"/>
               </a:ext>
             </a:extLst>
           </p:cNvPr>
@@ -3658,7 +3683,7 @@
           <p:cNvPr id="12" name="직사각형 11">
             <a:extLst>
               <a:ext uri="{FF2B5EF4-FFF2-40B4-BE49-F238E27FC236}">
-                <a16:creationId xmlns:a16="http://schemas.microsoft.com/office/drawing/2014/main" id="{61C7B20C-9FF0-DF1C-CCB6-CF64E28BC7EB}"/>
+                <a16:creationId xmlns:a16="http://schemas.microsoft.com/office/drawing/2014/main" xmlns="" id="{61C7B20C-9FF0-DF1C-CCB6-CF64E28BC7EB}"/>
               </a:ext>
             </a:extLst>
           </p:cNvPr>
@@ -3722,7 +3747,7 @@
           <p:cNvPr id="14" name="TextBox 13">
             <a:extLst>
               <a:ext uri="{FF2B5EF4-FFF2-40B4-BE49-F238E27FC236}">
-                <a16:creationId xmlns:a16="http://schemas.microsoft.com/office/drawing/2014/main" id="{662B2690-183D-3F3C-EEAE-4F0AD512D70D}"/>
+                <a16:creationId xmlns:a16="http://schemas.microsoft.com/office/drawing/2014/main" xmlns="" id="{662B2690-183D-3F3C-EEAE-4F0AD512D70D}"/>
               </a:ext>
             </a:extLst>
           </p:cNvPr>
@@ -3756,7 +3781,7 @@
     </p:spTree>
     <p:extLst>
       <p:ext uri="{BB962C8B-B14F-4D97-AF65-F5344CB8AC3E}">
-        <p14:creationId xmlns:p14="http://schemas.microsoft.com/office/powerpoint/2010/main" val="2990257812"/>
+        <p14:creationId xmlns:p14="http://schemas.microsoft.com/office/powerpoint/2010/main" xmlns="" val="2990257812"/>
       </p:ext>
     </p:extLst>
   </p:cSld>
@@ -3788,7 +3813,7 @@
           <p:cNvPr id="4" name="직사각형 3">
             <a:extLst>
               <a:ext uri="{FF2B5EF4-FFF2-40B4-BE49-F238E27FC236}">
-                <a16:creationId xmlns:a16="http://schemas.microsoft.com/office/drawing/2014/main" id="{F012BD01-A80E-5E08-B71B-D94FF6CCA886}"/>
+                <a16:creationId xmlns:a16="http://schemas.microsoft.com/office/drawing/2014/main" xmlns="" id="{F012BD01-A80E-5E08-B71B-D94FF6CCA886}"/>
               </a:ext>
             </a:extLst>
           </p:cNvPr>
@@ -3840,7 +3865,7 @@
           <p:cNvPr id="5" name="TextBox 4">
             <a:extLst>
               <a:ext uri="{FF2B5EF4-FFF2-40B4-BE49-F238E27FC236}">
-                <a16:creationId xmlns:a16="http://schemas.microsoft.com/office/drawing/2014/main" id="{B54E14DD-60EF-4A40-B8FA-403D24565AFA}"/>
+                <a16:creationId xmlns:a16="http://schemas.microsoft.com/office/drawing/2014/main" xmlns="" id="{B54E14DD-60EF-4A40-B8FA-403D24565AFA}"/>
               </a:ext>
             </a:extLst>
           </p:cNvPr>
@@ -3850,7 +3875,7 @@
         <p:spPr>
           <a:xfrm>
             <a:off x="1107347" y="469783"/>
-            <a:ext cx="1107996" cy="369332"/>
+            <a:ext cx="1733167" cy="369332"/>
           </a:xfrm>
           <a:prstGeom prst="rect">
             <a:avLst/>
@@ -3864,19 +3889,18 @@
           <a:lstStyle/>
           <a:p>
             <a:r>
-              <a:rPr lang="ko-KR" altLang="en-US" dirty="0" err="1"/>
-              <a:t>메인화면</a:t>
-            </a:r>
-            <a:endParaRPr lang="ko-KR" altLang="en-US" dirty="0"/>
-          </a:p>
-        </p:txBody>
-      </p:sp>
-      <p:sp>
-        <p:nvSpPr>
-          <p:cNvPr id="6" name="직사각형 5">
-            <a:extLst>
-              <a:ext uri="{FF2B5EF4-FFF2-40B4-BE49-F238E27FC236}">
-                <a16:creationId xmlns:a16="http://schemas.microsoft.com/office/drawing/2014/main" id="{4964EADF-3817-5233-3346-9A4456303997}"/>
+              <a:rPr lang="ko-KR" altLang="en-US" dirty="0"/>
+              <a:t>나의 예약 목록</a:t>
+            </a:r>
+          </a:p>
+        </p:txBody>
+      </p:sp>
+      <p:sp>
+        <p:nvSpPr>
+          <p:cNvPr id="23" name="직사각형 22">
+            <a:extLst>
+              <a:ext uri="{FF2B5EF4-FFF2-40B4-BE49-F238E27FC236}">
+                <a16:creationId xmlns:a16="http://schemas.microsoft.com/office/drawing/2014/main" xmlns="" id="{90F6933B-68B5-243A-BF60-6328CACD372D}"/>
               </a:ext>
             </a:extLst>
           </p:cNvPr>
@@ -3885,8 +3909,8 @@
         </p:nvSpPr>
         <p:spPr>
           <a:xfrm>
-            <a:off x="4002947" y="1409350"/>
-            <a:ext cx="3572312" cy="4110606"/>
+            <a:off x="1210812" y="1276524"/>
+            <a:ext cx="1407953" cy="4352489"/>
           </a:xfrm>
           <a:prstGeom prst="rect">
             <a:avLst/>
@@ -3919,7 +3943,65 @@
           <a:lstStyle/>
           <a:p>
             <a:pPr algn="ctr"/>
-            <a:endParaRPr lang="ko-KR" altLang="en-US"/>
+            <a:r>
+              <a:rPr lang="en-US" altLang="ko-KR" dirty="0">
+                <a:solidFill>
+                  <a:schemeClr val="tx1"/>
+                </a:solidFill>
+              </a:rPr>
+              <a:t>NAV</a:t>
+            </a:r>
+          </a:p>
+          <a:p>
+            <a:pPr algn="ctr"/>
+            <a:r>
+              <a:rPr lang="ko-KR" altLang="en-US" dirty="0">
+                <a:solidFill>
+                  <a:schemeClr val="tx1"/>
+                </a:solidFill>
+              </a:rPr>
+              <a:t>탭</a:t>
+            </a:r>
+            <a:endParaRPr lang="en-US" altLang="ko-KR" dirty="0">
+              <a:solidFill>
+                <a:schemeClr val="tx1"/>
+              </a:solidFill>
+            </a:endParaRPr>
+          </a:p>
+        </p:txBody>
+      </p:sp>
+      <p:sp>
+        <p:nvSpPr>
+          <p:cNvPr id="2" name="TextBox 1">
+            <a:extLst>
+              <a:ext uri="{FF2B5EF4-FFF2-40B4-BE49-F238E27FC236}">
+                <a16:creationId xmlns:a16="http://schemas.microsoft.com/office/drawing/2014/main" xmlns="" id="{0E99756C-357D-6F4B-A01A-3F1ED378F895}"/>
+              </a:ext>
+            </a:extLst>
+          </p:cNvPr>
+          <p:cNvSpPr txBox="1"/>
+          <p:nvPr/>
+        </p:nvSpPr>
+        <p:spPr>
+          <a:xfrm>
+            <a:off x="3004657" y="1276524"/>
+            <a:ext cx="1189749" cy="369332"/>
+          </a:xfrm>
+          <a:prstGeom prst="rect">
+            <a:avLst/>
+          </a:prstGeom>
+          <a:noFill/>
+        </p:spPr>
+        <p:txBody>
+          <a:bodyPr wrap="none" rtlCol="0">
+            <a:spAutoFit/>
+          </a:bodyPr>
+          <a:lstStyle/>
+          <a:p>
+            <a:r>
+              <a:rPr lang="ko-KR" altLang="en-US" dirty="0"/>
+              <a:t>리뷰 작성</a:t>
+            </a:r>
           </a:p>
         </p:txBody>
       </p:sp>
@@ -3928,7 +4010,7 @@
           <p:cNvPr id="7" name="직사각형 6">
             <a:extLst>
               <a:ext uri="{FF2B5EF4-FFF2-40B4-BE49-F238E27FC236}">
-                <a16:creationId xmlns:a16="http://schemas.microsoft.com/office/drawing/2014/main" id="{F99AD098-1BD7-75F0-D6A0-6D9DB6479EC0}"/>
+                <a16:creationId xmlns:a16="http://schemas.microsoft.com/office/drawing/2014/main" xmlns="" id="{B1B75F1D-0182-29E3-650D-D56336426937}"/>
               </a:ext>
             </a:extLst>
           </p:cNvPr>
@@ -3937,8 +4019,8 @@
         </p:nvSpPr>
         <p:spPr>
           <a:xfrm>
-            <a:off x="5372636" y="1788999"/>
-            <a:ext cx="1164107" cy="369332"/>
+            <a:off x="3033133" y="1705061"/>
+            <a:ext cx="7067212" cy="3876415"/>
           </a:xfrm>
           <a:prstGeom prst="rect">
             <a:avLst/>
@@ -3977,50 +4059,10 @@
       </p:sp>
       <p:sp>
         <p:nvSpPr>
-          <p:cNvPr id="8" name="TextBox 7">
-            <a:extLst>
-              <a:ext uri="{FF2B5EF4-FFF2-40B4-BE49-F238E27FC236}">
-                <a16:creationId xmlns:a16="http://schemas.microsoft.com/office/drawing/2014/main" id="{9CC0024D-C9AA-E877-8CEA-F1C1D2F33D48}"/>
-              </a:ext>
-            </a:extLst>
-          </p:cNvPr>
-          <p:cNvSpPr txBox="1"/>
-          <p:nvPr/>
-        </p:nvSpPr>
-        <p:spPr>
-          <a:xfrm>
-            <a:off x="4142630" y="1788999"/>
-            <a:ext cx="1010213" cy="369332"/>
-          </a:xfrm>
-          <a:prstGeom prst="rect">
-            <a:avLst/>
-          </a:prstGeom>
-          <a:noFill/>
-        </p:spPr>
-        <p:txBody>
-          <a:bodyPr wrap="none" rtlCol="0">
-            <a:spAutoFit/>
-          </a:bodyPr>
-          <a:lstStyle/>
-          <a:p>
-            <a:r>
-              <a:rPr lang="ko-KR" altLang="en-US" dirty="0"/>
-              <a:t>아이디 </a:t>
-            </a:r>
-            <a:r>
-              <a:rPr lang="en-US" altLang="ko-KR" dirty="0"/>
-              <a:t>:</a:t>
-            </a:r>
-            <a:endParaRPr lang="ko-KR" altLang="en-US" dirty="0"/>
-          </a:p>
-        </p:txBody>
-      </p:sp>
-      <p:sp>
-        <p:nvSpPr>
-          <p:cNvPr id="9" name="직사각형 8">
-            <a:extLst>
-              <a:ext uri="{FF2B5EF4-FFF2-40B4-BE49-F238E27FC236}">
-                <a16:creationId xmlns:a16="http://schemas.microsoft.com/office/drawing/2014/main" id="{FF182405-D367-1923-3C22-07BBDFA75DDC}"/>
+          <p:cNvPr id="8" name="직사각형 7">
+            <a:extLst>
+              <a:ext uri="{FF2B5EF4-FFF2-40B4-BE49-F238E27FC236}">
+                <a16:creationId xmlns:a16="http://schemas.microsoft.com/office/drawing/2014/main" xmlns="" id="{909B0902-DF23-AB75-E15E-F3CE4167CB03}"/>
               </a:ext>
             </a:extLst>
           </p:cNvPr>
@@ -4029,8 +4071,8 @@
         </p:nvSpPr>
         <p:spPr>
           <a:xfrm>
-            <a:off x="5383675" y="2340142"/>
-            <a:ext cx="1860305" cy="369332"/>
+            <a:off x="3245586" y="2023142"/>
+            <a:ext cx="5990693" cy="2313965"/>
           </a:xfrm>
           <a:prstGeom prst="rect">
             <a:avLst/>
@@ -4069,50 +4111,10 @@
       </p:sp>
       <p:sp>
         <p:nvSpPr>
-          <p:cNvPr id="10" name="TextBox 9">
-            <a:extLst>
-              <a:ext uri="{FF2B5EF4-FFF2-40B4-BE49-F238E27FC236}">
-                <a16:creationId xmlns:a16="http://schemas.microsoft.com/office/drawing/2014/main" id="{B4B2AC72-8D79-D02F-9C2E-4B479CA451D5}"/>
-              </a:ext>
-            </a:extLst>
-          </p:cNvPr>
-          <p:cNvSpPr txBox="1"/>
-          <p:nvPr/>
-        </p:nvSpPr>
-        <p:spPr>
-          <a:xfrm>
-            <a:off x="4142630" y="2340142"/>
-            <a:ext cx="1241045" cy="369332"/>
-          </a:xfrm>
-          <a:prstGeom prst="rect">
-            <a:avLst/>
-          </a:prstGeom>
-          <a:noFill/>
-        </p:spPr>
-        <p:txBody>
-          <a:bodyPr wrap="none" rtlCol="0">
-            <a:spAutoFit/>
-          </a:bodyPr>
-          <a:lstStyle/>
-          <a:p>
-            <a:r>
-              <a:rPr lang="ko-KR" altLang="en-US" dirty="0"/>
-              <a:t>비밀번호 </a:t>
-            </a:r>
-            <a:r>
-              <a:rPr lang="en-US" altLang="ko-KR" dirty="0"/>
-              <a:t>:</a:t>
-            </a:r>
-            <a:endParaRPr lang="ko-KR" altLang="en-US" dirty="0"/>
-          </a:p>
-        </p:txBody>
-      </p:sp>
-      <p:sp>
-        <p:nvSpPr>
           <p:cNvPr id="12" name="직사각형 11">
             <a:extLst>
               <a:ext uri="{FF2B5EF4-FFF2-40B4-BE49-F238E27FC236}">
-                <a16:creationId xmlns:a16="http://schemas.microsoft.com/office/drawing/2014/main" id="{61C7B20C-9FF0-DF1C-CCB6-CF64E28BC7EB}"/>
+                <a16:creationId xmlns:a16="http://schemas.microsoft.com/office/drawing/2014/main" xmlns="" id="{297A27A4-446E-D49F-0D61-C22B2D2352E6}"/>
               </a:ext>
             </a:extLst>
           </p:cNvPr>
@@ -4121,7 +4123,7 @@
         </p:nvSpPr>
         <p:spPr>
           <a:xfrm>
-            <a:off x="5594059" y="4769975"/>
+            <a:off x="9016768" y="5030033"/>
             <a:ext cx="721262" cy="369332"/>
           </a:xfrm>
           <a:prstGeom prst="rect">
@@ -4173,10 +4175,50 @@
       </p:sp>
       <p:sp>
         <p:nvSpPr>
-          <p:cNvPr id="2" name="직사각형 1">
-            <a:extLst>
-              <a:ext uri="{FF2B5EF4-FFF2-40B4-BE49-F238E27FC236}">
-                <a16:creationId xmlns:a16="http://schemas.microsoft.com/office/drawing/2014/main" id="{7CA848C8-DD25-5760-4CCA-2711E02CD89F}"/>
+          <p:cNvPr id="21" name="TextBox 20">
+            <a:extLst>
+              <a:ext uri="{FF2B5EF4-FFF2-40B4-BE49-F238E27FC236}">
+                <a16:creationId xmlns:a16="http://schemas.microsoft.com/office/drawing/2014/main" xmlns="" id="{5B42E55B-3E33-85D2-8AC0-4F2F2F5A8C3A}"/>
+              </a:ext>
+            </a:extLst>
+          </p:cNvPr>
+          <p:cNvSpPr txBox="1"/>
+          <p:nvPr/>
+        </p:nvSpPr>
+        <p:spPr>
+          <a:xfrm>
+            <a:off x="3245586" y="4518479"/>
+            <a:ext cx="861133" cy="369332"/>
+          </a:xfrm>
+          <a:prstGeom prst="rect">
+            <a:avLst/>
+          </a:prstGeom>
+          <a:noFill/>
+        </p:spPr>
+        <p:txBody>
+          <a:bodyPr wrap="none" rtlCol="0">
+            <a:spAutoFit/>
+          </a:bodyPr>
+          <a:lstStyle/>
+          <a:p>
+            <a:r>
+              <a:rPr lang="ko-KR" altLang="en-US" dirty="0"/>
+              <a:t>평점 </a:t>
+            </a:r>
+            <a:r>
+              <a:rPr lang="en-US" altLang="ko-KR" dirty="0"/>
+              <a:t>: </a:t>
+            </a:r>
+            <a:endParaRPr lang="ko-KR" altLang="en-US" dirty="0"/>
+          </a:p>
+        </p:txBody>
+      </p:sp>
+      <p:sp>
+        <p:nvSpPr>
+          <p:cNvPr id="22" name="직사각형 21">
+            <a:extLst>
+              <a:ext uri="{FF2B5EF4-FFF2-40B4-BE49-F238E27FC236}">
+                <a16:creationId xmlns:a16="http://schemas.microsoft.com/office/drawing/2014/main" xmlns="" id="{B6DD37FB-83E0-B8B9-362B-DE612D4A983A}"/>
               </a:ext>
             </a:extLst>
           </p:cNvPr>
@@ -4185,8 +4227,8 @@
         </p:nvSpPr>
         <p:spPr>
           <a:xfrm>
-            <a:off x="6384023" y="4769975"/>
-            <a:ext cx="1122534" cy="369332"/>
+            <a:off x="4046599" y="4520818"/>
+            <a:ext cx="721262" cy="369332"/>
           </a:xfrm>
           <a:prstGeom prst="rect">
             <a:avLst/>
@@ -4219,14 +4261,6 @@
           <a:lstStyle/>
           <a:p>
             <a:pPr algn="ctr"/>
-            <a:r>
-              <a:rPr lang="ko-KR" altLang="en-US" dirty="0" err="1">
-                <a:solidFill>
-                  <a:schemeClr val="tx1"/>
-                </a:solidFill>
-              </a:rPr>
-              <a:t>로그인창</a:t>
-            </a:r>
             <a:endParaRPr lang="ko-KR" altLang="en-US" dirty="0">
               <a:solidFill>
                 <a:schemeClr val="tx1"/>
@@ -4235,12 +4269,42 @@
           </a:p>
         </p:txBody>
       </p:sp>
-      <p:sp>
-        <p:nvSpPr>
-          <p:cNvPr id="3" name="직사각형 2">
-            <a:extLst>
-              <a:ext uri="{FF2B5EF4-FFF2-40B4-BE49-F238E27FC236}">
-                <a16:creationId xmlns:a16="http://schemas.microsoft.com/office/drawing/2014/main" id="{2742B773-0DB1-96A9-09F5-E00FC00DCFCE}"/>
+    </p:spTree>
+    <p:extLst>
+      <p:ext uri="{BB962C8B-B14F-4D97-AF65-F5344CB8AC3E}">
+        <p14:creationId xmlns:p14="http://schemas.microsoft.com/office/powerpoint/2010/main" xmlns="" val="3238696934"/>
+      </p:ext>
+    </p:extLst>
+  </p:cSld>
+  <p:clrMapOvr>
+    <a:masterClrMapping/>
+  </p:clrMapOvr>
+</p:sld>
+</file>
+
+<file path=ppt/slides/slide11.xml><?xml version="1.0" encoding="utf-8"?>
+<p:sld xmlns:a="http://schemas.openxmlformats.org/drawingml/2006/main" xmlns:r="http://schemas.openxmlformats.org/officeDocument/2006/relationships" xmlns:p="http://schemas.openxmlformats.org/presentationml/2006/main">
+  <p:cSld>
+    <p:spTree>
+      <p:nvGrpSpPr>
+        <p:cNvPr id="1" name=""/>
+        <p:cNvGrpSpPr/>
+        <p:nvPr/>
+      </p:nvGrpSpPr>
+      <p:grpSpPr>
+        <a:xfrm>
+          <a:off x="0" y="0"/>
+          <a:ext cx="0" cy="0"/>
+          <a:chOff x="0" y="0"/>
+          <a:chExt cx="0" cy="0"/>
+        </a:xfrm>
+      </p:grpSpPr>
+      <p:sp>
+        <p:nvSpPr>
+          <p:cNvPr id="4" name="직사각형 3">
+            <a:extLst>
+              <a:ext uri="{FF2B5EF4-FFF2-40B4-BE49-F238E27FC236}">
+                <a16:creationId xmlns:a16="http://schemas.microsoft.com/office/drawing/2014/main" xmlns="" id="{F012BD01-A80E-5E08-B71B-D94FF6CCA886}"/>
               </a:ext>
             </a:extLst>
           </p:cNvPr>
@@ -4249,8 +4313,8 @@
         </p:nvSpPr>
         <p:spPr>
           <a:xfrm>
-            <a:off x="6605445" y="1788999"/>
-            <a:ext cx="862476" cy="369332"/>
+            <a:off x="1107347" y="1042332"/>
+            <a:ext cx="9588616" cy="4773335"/>
           </a:xfrm>
           <a:prstGeom prst="rect">
             <a:avLst/>
@@ -4283,23 +4347,52 @@
           <a:lstStyle/>
           <a:p>
             <a:pPr algn="ctr"/>
-            <a:r>
-              <a:rPr lang="ko-KR" altLang="en-US" sz="1200" dirty="0">
-                <a:solidFill>
-                  <a:schemeClr val="tx1"/>
-                </a:solidFill>
-              </a:rPr>
-              <a:t>중복체크</a:t>
-            </a:r>
-          </a:p>
-        </p:txBody>
-      </p:sp>
-      <p:sp>
-        <p:nvSpPr>
-          <p:cNvPr id="11" name="직사각형 10">
-            <a:extLst>
-              <a:ext uri="{FF2B5EF4-FFF2-40B4-BE49-F238E27FC236}">
-                <a16:creationId xmlns:a16="http://schemas.microsoft.com/office/drawing/2014/main" id="{3EEC549F-97C6-4897-BE3B-7C394C0141DA}"/>
+            <a:endParaRPr lang="ko-KR" altLang="en-US"/>
+          </a:p>
+        </p:txBody>
+      </p:sp>
+      <p:sp>
+        <p:nvSpPr>
+          <p:cNvPr id="5" name="TextBox 4">
+            <a:extLst>
+              <a:ext uri="{FF2B5EF4-FFF2-40B4-BE49-F238E27FC236}">
+                <a16:creationId xmlns:a16="http://schemas.microsoft.com/office/drawing/2014/main" xmlns="" id="{B54E14DD-60EF-4A40-B8FA-403D24565AFA}"/>
+              </a:ext>
+            </a:extLst>
+          </p:cNvPr>
+          <p:cNvSpPr txBox="1"/>
+          <p:nvPr/>
+        </p:nvSpPr>
+        <p:spPr>
+          <a:xfrm>
+            <a:off x="1107347" y="469783"/>
+            <a:ext cx="1107996" cy="369332"/>
+          </a:xfrm>
+          <a:prstGeom prst="rect">
+            <a:avLst/>
+          </a:prstGeom>
+          <a:noFill/>
+        </p:spPr>
+        <p:txBody>
+          <a:bodyPr wrap="none" rtlCol="0">
+            <a:spAutoFit/>
+          </a:bodyPr>
+          <a:lstStyle/>
+          <a:p>
+            <a:r>
+              <a:rPr lang="ko-KR" altLang="en-US" dirty="0" err="1"/>
+              <a:t>메인화면</a:t>
+            </a:r>
+            <a:endParaRPr lang="ko-KR" altLang="en-US" dirty="0"/>
+          </a:p>
+        </p:txBody>
+      </p:sp>
+      <p:sp>
+        <p:nvSpPr>
+          <p:cNvPr id="6" name="직사각형 5">
+            <a:extLst>
+              <a:ext uri="{FF2B5EF4-FFF2-40B4-BE49-F238E27FC236}">
+                <a16:creationId xmlns:a16="http://schemas.microsoft.com/office/drawing/2014/main" xmlns="" id="{4964EADF-3817-5233-3346-9A4456303997}"/>
               </a:ext>
             </a:extLst>
           </p:cNvPr>
@@ -4308,8 +4401,8 @@
         </p:nvSpPr>
         <p:spPr>
           <a:xfrm>
-            <a:off x="5791713" y="2824408"/>
-            <a:ext cx="1441228" cy="369332"/>
+            <a:off x="4002947" y="1409350"/>
+            <a:ext cx="3572312" cy="4110606"/>
           </a:xfrm>
           <a:prstGeom prst="rect">
             <a:avLst/>
@@ -4348,50 +4441,10 @@
       </p:sp>
       <p:sp>
         <p:nvSpPr>
-          <p:cNvPr id="13" name="TextBox 12">
-            <a:extLst>
-              <a:ext uri="{FF2B5EF4-FFF2-40B4-BE49-F238E27FC236}">
-                <a16:creationId xmlns:a16="http://schemas.microsoft.com/office/drawing/2014/main" id="{7C762A25-2F92-F247-CCC3-8CE4B5EE7E52}"/>
-              </a:ext>
-            </a:extLst>
-          </p:cNvPr>
-          <p:cNvSpPr txBox="1"/>
-          <p:nvPr/>
-        </p:nvSpPr>
-        <p:spPr>
-          <a:xfrm>
-            <a:off x="4197657" y="2824408"/>
-            <a:ext cx="1702710" cy="369332"/>
-          </a:xfrm>
-          <a:prstGeom prst="rect">
-            <a:avLst/>
-          </a:prstGeom>
-          <a:noFill/>
-        </p:spPr>
-        <p:txBody>
-          <a:bodyPr wrap="none" rtlCol="0">
-            <a:spAutoFit/>
-          </a:bodyPr>
-          <a:lstStyle/>
-          <a:p>
-            <a:r>
-              <a:rPr lang="ko-KR" altLang="en-US" dirty="0"/>
-              <a:t>비밀번호확인 </a:t>
-            </a:r>
-            <a:r>
-              <a:rPr lang="en-US" altLang="ko-KR" dirty="0"/>
-              <a:t>:</a:t>
-            </a:r>
-            <a:endParaRPr lang="ko-KR" altLang="en-US" dirty="0"/>
-          </a:p>
-        </p:txBody>
-      </p:sp>
-      <p:sp>
-        <p:nvSpPr>
-          <p:cNvPr id="17" name="직사각형 16">
-            <a:extLst>
-              <a:ext uri="{FF2B5EF4-FFF2-40B4-BE49-F238E27FC236}">
-                <a16:creationId xmlns:a16="http://schemas.microsoft.com/office/drawing/2014/main" id="{0EAE41A3-6B1A-3074-42F0-B112048073D5}"/>
+          <p:cNvPr id="7" name="직사각형 6">
+            <a:extLst>
+              <a:ext uri="{FF2B5EF4-FFF2-40B4-BE49-F238E27FC236}">
+                <a16:creationId xmlns:a16="http://schemas.microsoft.com/office/drawing/2014/main" xmlns="" id="{F99AD098-1BD7-75F0-D6A0-6D9DB6479EC0}"/>
               </a:ext>
             </a:extLst>
           </p:cNvPr>
@@ -4400,8 +4453,8 @@
         </p:nvSpPr>
         <p:spPr>
           <a:xfrm>
-            <a:off x="5383674" y="3294929"/>
-            <a:ext cx="1849267" cy="369332"/>
+            <a:off x="5372636" y="1788999"/>
+            <a:ext cx="1164107" cy="369332"/>
           </a:xfrm>
           <a:prstGeom prst="rect">
             <a:avLst/>
@@ -4440,10 +4493,10 @@
       </p:sp>
       <p:sp>
         <p:nvSpPr>
-          <p:cNvPr id="18" name="TextBox 17">
-            <a:extLst>
-              <a:ext uri="{FF2B5EF4-FFF2-40B4-BE49-F238E27FC236}">
-                <a16:creationId xmlns:a16="http://schemas.microsoft.com/office/drawing/2014/main" id="{0DD62DA5-8027-DCC8-39A4-639BE1C73B48}"/>
+          <p:cNvPr id="8" name="TextBox 7">
+            <a:extLst>
+              <a:ext uri="{FF2B5EF4-FFF2-40B4-BE49-F238E27FC236}">
+                <a16:creationId xmlns:a16="http://schemas.microsoft.com/office/drawing/2014/main" xmlns="" id="{9CC0024D-C9AA-E877-8CEA-F1C1D2F33D48}"/>
               </a:ext>
             </a:extLst>
           </p:cNvPr>
@@ -4452,8 +4505,8 @@
         </p:nvSpPr>
         <p:spPr>
           <a:xfrm>
-            <a:off x="4131591" y="3284645"/>
-            <a:ext cx="928459" cy="369332"/>
+            <a:off x="4142630" y="1788999"/>
+            <a:ext cx="1010213" cy="369332"/>
           </a:xfrm>
           <a:prstGeom prst="rect">
             <a:avLst/>
@@ -4468,7 +4521,7 @@
           <a:p>
             <a:r>
               <a:rPr lang="ko-KR" altLang="en-US" dirty="0"/>
-              <a:t>연락처</a:t>
+              <a:t>아이디 </a:t>
             </a:r>
             <a:r>
               <a:rPr lang="en-US" altLang="ko-KR" dirty="0"/>
@@ -4480,10 +4533,10 @@
       </p:sp>
       <p:sp>
         <p:nvSpPr>
-          <p:cNvPr id="19" name="직사각형 18">
-            <a:extLst>
-              <a:ext uri="{FF2B5EF4-FFF2-40B4-BE49-F238E27FC236}">
-                <a16:creationId xmlns:a16="http://schemas.microsoft.com/office/drawing/2014/main" id="{0E3281A5-4F8F-8CF4-B8C6-ACC214D5BB9B}"/>
+          <p:cNvPr id="9" name="직사각형 8">
+            <a:extLst>
+              <a:ext uri="{FF2B5EF4-FFF2-40B4-BE49-F238E27FC236}">
+                <a16:creationId xmlns:a16="http://schemas.microsoft.com/office/drawing/2014/main" xmlns="" id="{FF182405-D367-1923-3C22-07BBDFA75DDC}"/>
               </a:ext>
             </a:extLst>
           </p:cNvPr>
@@ -4492,8 +4545,8 @@
         </p:nvSpPr>
         <p:spPr>
           <a:xfrm>
-            <a:off x="5372636" y="3750021"/>
-            <a:ext cx="1849267" cy="369332"/>
+            <a:off x="5383675" y="2340142"/>
+            <a:ext cx="1860305" cy="369332"/>
           </a:xfrm>
           <a:prstGeom prst="rect">
             <a:avLst/>
@@ -4532,10 +4585,10 @@
       </p:sp>
       <p:sp>
         <p:nvSpPr>
-          <p:cNvPr id="20" name="TextBox 19">
-            <a:extLst>
-              <a:ext uri="{FF2B5EF4-FFF2-40B4-BE49-F238E27FC236}">
-                <a16:creationId xmlns:a16="http://schemas.microsoft.com/office/drawing/2014/main" id="{D4C2E759-3F60-62E2-9DB1-00FD0A630488}"/>
+          <p:cNvPr id="10" name="TextBox 9">
+            <a:extLst>
+              <a:ext uri="{FF2B5EF4-FFF2-40B4-BE49-F238E27FC236}">
+                <a16:creationId xmlns:a16="http://schemas.microsoft.com/office/drawing/2014/main" xmlns="" id="{B4B2AC72-8D79-D02F-9C2E-4B479CA451D5}"/>
               </a:ext>
             </a:extLst>
           </p:cNvPr>
@@ -4544,8 +4597,8 @@
         </p:nvSpPr>
         <p:spPr>
           <a:xfrm>
-            <a:off x="4120553" y="3739737"/>
-            <a:ext cx="928459" cy="369332"/>
+            <a:off x="4142630" y="2340142"/>
+            <a:ext cx="1241045" cy="369332"/>
           </a:xfrm>
           <a:prstGeom prst="rect">
             <a:avLst/>
@@ -4560,6 +4613,469 @@
           <a:p>
             <a:r>
               <a:rPr lang="ko-KR" altLang="en-US" dirty="0"/>
+              <a:t>비밀번호 </a:t>
+            </a:r>
+            <a:r>
+              <a:rPr lang="en-US" altLang="ko-KR" dirty="0"/>
+              <a:t>:</a:t>
+            </a:r>
+            <a:endParaRPr lang="ko-KR" altLang="en-US" dirty="0"/>
+          </a:p>
+        </p:txBody>
+      </p:sp>
+      <p:sp>
+        <p:nvSpPr>
+          <p:cNvPr id="12" name="직사각형 11">
+            <a:extLst>
+              <a:ext uri="{FF2B5EF4-FFF2-40B4-BE49-F238E27FC236}">
+                <a16:creationId xmlns:a16="http://schemas.microsoft.com/office/drawing/2014/main" xmlns="" id="{61C7B20C-9FF0-DF1C-CCB6-CF64E28BC7EB}"/>
+              </a:ext>
+            </a:extLst>
+          </p:cNvPr>
+          <p:cNvSpPr/>
+          <p:nvPr/>
+        </p:nvSpPr>
+        <p:spPr>
+          <a:xfrm>
+            <a:off x="5594059" y="4769975"/>
+            <a:ext cx="721262" cy="369332"/>
+          </a:xfrm>
+          <a:prstGeom prst="rect">
+            <a:avLst/>
+          </a:prstGeom>
+          <a:noFill/>
+          <a:ln>
+            <a:solidFill>
+              <a:schemeClr val="tx1"/>
+            </a:solidFill>
+          </a:ln>
+        </p:spPr>
+        <p:style>
+          <a:lnRef idx="2">
+            <a:schemeClr val="accent1">
+              <a:shade val="15000"/>
+            </a:schemeClr>
+          </a:lnRef>
+          <a:fillRef idx="1">
+            <a:schemeClr val="accent1"/>
+          </a:fillRef>
+          <a:effectRef idx="0">
+            <a:schemeClr val="accent1"/>
+          </a:effectRef>
+          <a:fontRef idx="minor">
+            <a:schemeClr val="lt1"/>
+          </a:fontRef>
+        </p:style>
+        <p:txBody>
+          <a:bodyPr rtlCol="0" anchor="ctr"/>
+          <a:lstStyle/>
+          <a:p>
+            <a:pPr algn="ctr"/>
+            <a:r>
+              <a:rPr lang="ko-KR" altLang="en-US">
+                <a:solidFill>
+                  <a:schemeClr val="tx1"/>
+                </a:solidFill>
+              </a:rPr>
+              <a:t>확인</a:t>
+            </a:r>
+            <a:endParaRPr lang="ko-KR" altLang="en-US" dirty="0">
+              <a:solidFill>
+                <a:schemeClr val="tx1"/>
+              </a:solidFill>
+            </a:endParaRPr>
+          </a:p>
+        </p:txBody>
+      </p:sp>
+      <p:sp>
+        <p:nvSpPr>
+          <p:cNvPr id="2" name="직사각형 1">
+            <a:extLst>
+              <a:ext uri="{FF2B5EF4-FFF2-40B4-BE49-F238E27FC236}">
+                <a16:creationId xmlns:a16="http://schemas.microsoft.com/office/drawing/2014/main" xmlns="" id="{7CA848C8-DD25-5760-4CCA-2711E02CD89F}"/>
+              </a:ext>
+            </a:extLst>
+          </p:cNvPr>
+          <p:cNvSpPr/>
+          <p:nvPr/>
+        </p:nvSpPr>
+        <p:spPr>
+          <a:xfrm>
+            <a:off x="6384023" y="4769975"/>
+            <a:ext cx="1122534" cy="369332"/>
+          </a:xfrm>
+          <a:prstGeom prst="rect">
+            <a:avLst/>
+          </a:prstGeom>
+          <a:noFill/>
+          <a:ln>
+            <a:solidFill>
+              <a:schemeClr val="tx1"/>
+            </a:solidFill>
+          </a:ln>
+        </p:spPr>
+        <p:style>
+          <a:lnRef idx="2">
+            <a:schemeClr val="accent1">
+              <a:shade val="15000"/>
+            </a:schemeClr>
+          </a:lnRef>
+          <a:fillRef idx="1">
+            <a:schemeClr val="accent1"/>
+          </a:fillRef>
+          <a:effectRef idx="0">
+            <a:schemeClr val="accent1"/>
+          </a:effectRef>
+          <a:fontRef idx="minor">
+            <a:schemeClr val="lt1"/>
+          </a:fontRef>
+        </p:style>
+        <p:txBody>
+          <a:bodyPr rtlCol="0" anchor="ctr"/>
+          <a:lstStyle/>
+          <a:p>
+            <a:pPr algn="ctr"/>
+            <a:r>
+              <a:rPr lang="ko-KR" altLang="en-US" dirty="0" err="1">
+                <a:solidFill>
+                  <a:schemeClr val="tx1"/>
+                </a:solidFill>
+              </a:rPr>
+              <a:t>로그인창</a:t>
+            </a:r>
+            <a:endParaRPr lang="ko-KR" altLang="en-US" dirty="0">
+              <a:solidFill>
+                <a:schemeClr val="tx1"/>
+              </a:solidFill>
+            </a:endParaRPr>
+          </a:p>
+        </p:txBody>
+      </p:sp>
+      <p:sp>
+        <p:nvSpPr>
+          <p:cNvPr id="3" name="직사각형 2">
+            <a:extLst>
+              <a:ext uri="{FF2B5EF4-FFF2-40B4-BE49-F238E27FC236}">
+                <a16:creationId xmlns:a16="http://schemas.microsoft.com/office/drawing/2014/main" xmlns="" id="{2742B773-0DB1-96A9-09F5-E00FC00DCFCE}"/>
+              </a:ext>
+            </a:extLst>
+          </p:cNvPr>
+          <p:cNvSpPr/>
+          <p:nvPr/>
+        </p:nvSpPr>
+        <p:spPr>
+          <a:xfrm>
+            <a:off x="6605445" y="1788999"/>
+            <a:ext cx="862476" cy="369332"/>
+          </a:xfrm>
+          <a:prstGeom prst="rect">
+            <a:avLst/>
+          </a:prstGeom>
+          <a:noFill/>
+          <a:ln>
+            <a:solidFill>
+              <a:schemeClr val="tx1"/>
+            </a:solidFill>
+          </a:ln>
+        </p:spPr>
+        <p:style>
+          <a:lnRef idx="2">
+            <a:schemeClr val="accent1">
+              <a:shade val="15000"/>
+            </a:schemeClr>
+          </a:lnRef>
+          <a:fillRef idx="1">
+            <a:schemeClr val="accent1"/>
+          </a:fillRef>
+          <a:effectRef idx="0">
+            <a:schemeClr val="accent1"/>
+          </a:effectRef>
+          <a:fontRef idx="minor">
+            <a:schemeClr val="lt1"/>
+          </a:fontRef>
+        </p:style>
+        <p:txBody>
+          <a:bodyPr rtlCol="0" anchor="ctr"/>
+          <a:lstStyle/>
+          <a:p>
+            <a:pPr algn="ctr"/>
+            <a:r>
+              <a:rPr lang="ko-KR" altLang="en-US" sz="1200" dirty="0">
+                <a:solidFill>
+                  <a:schemeClr val="tx1"/>
+                </a:solidFill>
+              </a:rPr>
+              <a:t>중복체크</a:t>
+            </a:r>
+          </a:p>
+        </p:txBody>
+      </p:sp>
+      <p:sp>
+        <p:nvSpPr>
+          <p:cNvPr id="11" name="직사각형 10">
+            <a:extLst>
+              <a:ext uri="{FF2B5EF4-FFF2-40B4-BE49-F238E27FC236}">
+                <a16:creationId xmlns:a16="http://schemas.microsoft.com/office/drawing/2014/main" xmlns="" id="{3EEC549F-97C6-4897-BE3B-7C394C0141DA}"/>
+              </a:ext>
+            </a:extLst>
+          </p:cNvPr>
+          <p:cNvSpPr/>
+          <p:nvPr/>
+        </p:nvSpPr>
+        <p:spPr>
+          <a:xfrm>
+            <a:off x="5791713" y="2824408"/>
+            <a:ext cx="1441228" cy="369332"/>
+          </a:xfrm>
+          <a:prstGeom prst="rect">
+            <a:avLst/>
+          </a:prstGeom>
+          <a:noFill/>
+          <a:ln>
+            <a:solidFill>
+              <a:schemeClr val="tx1"/>
+            </a:solidFill>
+          </a:ln>
+        </p:spPr>
+        <p:style>
+          <a:lnRef idx="2">
+            <a:schemeClr val="accent1">
+              <a:shade val="15000"/>
+            </a:schemeClr>
+          </a:lnRef>
+          <a:fillRef idx="1">
+            <a:schemeClr val="accent1"/>
+          </a:fillRef>
+          <a:effectRef idx="0">
+            <a:schemeClr val="accent1"/>
+          </a:effectRef>
+          <a:fontRef idx="minor">
+            <a:schemeClr val="lt1"/>
+          </a:fontRef>
+        </p:style>
+        <p:txBody>
+          <a:bodyPr rtlCol="0" anchor="ctr"/>
+          <a:lstStyle/>
+          <a:p>
+            <a:pPr algn="ctr"/>
+            <a:endParaRPr lang="ko-KR" altLang="en-US"/>
+          </a:p>
+        </p:txBody>
+      </p:sp>
+      <p:sp>
+        <p:nvSpPr>
+          <p:cNvPr id="13" name="TextBox 12">
+            <a:extLst>
+              <a:ext uri="{FF2B5EF4-FFF2-40B4-BE49-F238E27FC236}">
+                <a16:creationId xmlns:a16="http://schemas.microsoft.com/office/drawing/2014/main" xmlns="" id="{7C762A25-2F92-F247-CCC3-8CE4B5EE7E52}"/>
+              </a:ext>
+            </a:extLst>
+          </p:cNvPr>
+          <p:cNvSpPr txBox="1"/>
+          <p:nvPr/>
+        </p:nvSpPr>
+        <p:spPr>
+          <a:xfrm>
+            <a:off x="4197657" y="2824408"/>
+            <a:ext cx="1702710" cy="369332"/>
+          </a:xfrm>
+          <a:prstGeom prst="rect">
+            <a:avLst/>
+          </a:prstGeom>
+          <a:noFill/>
+        </p:spPr>
+        <p:txBody>
+          <a:bodyPr wrap="none" rtlCol="0">
+            <a:spAutoFit/>
+          </a:bodyPr>
+          <a:lstStyle/>
+          <a:p>
+            <a:r>
+              <a:rPr lang="ko-KR" altLang="en-US" dirty="0"/>
+              <a:t>비밀번호확인 </a:t>
+            </a:r>
+            <a:r>
+              <a:rPr lang="en-US" altLang="ko-KR" dirty="0"/>
+              <a:t>:</a:t>
+            </a:r>
+            <a:endParaRPr lang="ko-KR" altLang="en-US" dirty="0"/>
+          </a:p>
+        </p:txBody>
+      </p:sp>
+      <p:sp>
+        <p:nvSpPr>
+          <p:cNvPr id="17" name="직사각형 16">
+            <a:extLst>
+              <a:ext uri="{FF2B5EF4-FFF2-40B4-BE49-F238E27FC236}">
+                <a16:creationId xmlns:a16="http://schemas.microsoft.com/office/drawing/2014/main" xmlns="" id="{0EAE41A3-6B1A-3074-42F0-B112048073D5}"/>
+              </a:ext>
+            </a:extLst>
+          </p:cNvPr>
+          <p:cNvSpPr/>
+          <p:nvPr/>
+        </p:nvSpPr>
+        <p:spPr>
+          <a:xfrm>
+            <a:off x="5383674" y="3294929"/>
+            <a:ext cx="1849267" cy="369332"/>
+          </a:xfrm>
+          <a:prstGeom prst="rect">
+            <a:avLst/>
+          </a:prstGeom>
+          <a:noFill/>
+          <a:ln>
+            <a:solidFill>
+              <a:schemeClr val="tx1"/>
+            </a:solidFill>
+          </a:ln>
+        </p:spPr>
+        <p:style>
+          <a:lnRef idx="2">
+            <a:schemeClr val="accent1">
+              <a:shade val="15000"/>
+            </a:schemeClr>
+          </a:lnRef>
+          <a:fillRef idx="1">
+            <a:schemeClr val="accent1"/>
+          </a:fillRef>
+          <a:effectRef idx="0">
+            <a:schemeClr val="accent1"/>
+          </a:effectRef>
+          <a:fontRef idx="minor">
+            <a:schemeClr val="lt1"/>
+          </a:fontRef>
+        </p:style>
+        <p:txBody>
+          <a:bodyPr rtlCol="0" anchor="ctr"/>
+          <a:lstStyle/>
+          <a:p>
+            <a:pPr algn="ctr"/>
+            <a:endParaRPr lang="ko-KR" altLang="en-US"/>
+          </a:p>
+        </p:txBody>
+      </p:sp>
+      <p:sp>
+        <p:nvSpPr>
+          <p:cNvPr id="18" name="TextBox 17">
+            <a:extLst>
+              <a:ext uri="{FF2B5EF4-FFF2-40B4-BE49-F238E27FC236}">
+                <a16:creationId xmlns:a16="http://schemas.microsoft.com/office/drawing/2014/main" xmlns="" id="{0DD62DA5-8027-DCC8-39A4-639BE1C73B48}"/>
+              </a:ext>
+            </a:extLst>
+          </p:cNvPr>
+          <p:cNvSpPr txBox="1"/>
+          <p:nvPr/>
+        </p:nvSpPr>
+        <p:spPr>
+          <a:xfrm>
+            <a:off x="4131591" y="3284645"/>
+            <a:ext cx="928459" cy="369332"/>
+          </a:xfrm>
+          <a:prstGeom prst="rect">
+            <a:avLst/>
+          </a:prstGeom>
+          <a:noFill/>
+        </p:spPr>
+        <p:txBody>
+          <a:bodyPr wrap="none" rtlCol="0">
+            <a:spAutoFit/>
+          </a:bodyPr>
+          <a:lstStyle/>
+          <a:p>
+            <a:r>
+              <a:rPr lang="ko-KR" altLang="en-US" dirty="0"/>
+              <a:t>연락처</a:t>
+            </a:r>
+            <a:r>
+              <a:rPr lang="en-US" altLang="ko-KR" dirty="0"/>
+              <a:t>:</a:t>
+            </a:r>
+            <a:endParaRPr lang="ko-KR" altLang="en-US" dirty="0"/>
+          </a:p>
+        </p:txBody>
+      </p:sp>
+      <p:sp>
+        <p:nvSpPr>
+          <p:cNvPr id="19" name="직사각형 18">
+            <a:extLst>
+              <a:ext uri="{FF2B5EF4-FFF2-40B4-BE49-F238E27FC236}">
+                <a16:creationId xmlns:a16="http://schemas.microsoft.com/office/drawing/2014/main" xmlns="" id="{0E3281A5-4F8F-8CF4-B8C6-ACC214D5BB9B}"/>
+              </a:ext>
+            </a:extLst>
+          </p:cNvPr>
+          <p:cNvSpPr/>
+          <p:nvPr/>
+        </p:nvSpPr>
+        <p:spPr>
+          <a:xfrm>
+            <a:off x="5372636" y="3750021"/>
+            <a:ext cx="1849267" cy="369332"/>
+          </a:xfrm>
+          <a:prstGeom prst="rect">
+            <a:avLst/>
+          </a:prstGeom>
+          <a:noFill/>
+          <a:ln>
+            <a:solidFill>
+              <a:schemeClr val="tx1"/>
+            </a:solidFill>
+          </a:ln>
+        </p:spPr>
+        <p:style>
+          <a:lnRef idx="2">
+            <a:schemeClr val="accent1">
+              <a:shade val="15000"/>
+            </a:schemeClr>
+          </a:lnRef>
+          <a:fillRef idx="1">
+            <a:schemeClr val="accent1"/>
+          </a:fillRef>
+          <a:effectRef idx="0">
+            <a:schemeClr val="accent1"/>
+          </a:effectRef>
+          <a:fontRef idx="minor">
+            <a:schemeClr val="lt1"/>
+          </a:fontRef>
+        </p:style>
+        <p:txBody>
+          <a:bodyPr rtlCol="0" anchor="ctr"/>
+          <a:lstStyle/>
+          <a:p>
+            <a:pPr algn="ctr"/>
+            <a:endParaRPr lang="ko-KR" altLang="en-US"/>
+          </a:p>
+        </p:txBody>
+      </p:sp>
+      <p:sp>
+        <p:nvSpPr>
+          <p:cNvPr id="20" name="TextBox 19">
+            <a:extLst>
+              <a:ext uri="{FF2B5EF4-FFF2-40B4-BE49-F238E27FC236}">
+                <a16:creationId xmlns:a16="http://schemas.microsoft.com/office/drawing/2014/main" xmlns="" id="{D4C2E759-3F60-62E2-9DB1-00FD0A630488}"/>
+              </a:ext>
+            </a:extLst>
+          </p:cNvPr>
+          <p:cNvSpPr txBox="1"/>
+          <p:nvPr/>
+        </p:nvSpPr>
+        <p:spPr>
+          <a:xfrm>
+            <a:off x="4120553" y="3739737"/>
+            <a:ext cx="928459" cy="369332"/>
+          </a:xfrm>
+          <a:prstGeom prst="rect">
+            <a:avLst/>
+          </a:prstGeom>
+          <a:noFill/>
+        </p:spPr>
+        <p:txBody>
+          <a:bodyPr wrap="none" rtlCol="0">
+            <a:spAutoFit/>
+          </a:bodyPr>
+          <a:lstStyle/>
+          <a:p>
+            <a:r>
+              <a:rPr lang="ko-KR" altLang="en-US" dirty="0"/>
               <a:t>이메일</a:t>
             </a:r>
             <a:r>
@@ -4573,7 +5089,7 @@
     </p:spTree>
     <p:extLst>
       <p:ext uri="{BB962C8B-B14F-4D97-AF65-F5344CB8AC3E}">
-        <p14:creationId xmlns:p14="http://schemas.microsoft.com/office/powerpoint/2010/main" val="2671245385"/>
+        <p14:creationId xmlns:p14="http://schemas.microsoft.com/office/powerpoint/2010/main" xmlns="" val="2671245385"/>
       </p:ext>
     </p:extLst>
   </p:cSld>
@@ -4605,7 +5121,7 @@
           <p:cNvPr id="4" name="직사각형 3">
             <a:extLst>
               <a:ext uri="{FF2B5EF4-FFF2-40B4-BE49-F238E27FC236}">
-                <a16:creationId xmlns:a16="http://schemas.microsoft.com/office/drawing/2014/main" id="{F012BD01-A80E-5E08-B71B-D94FF6CCA886}"/>
+                <a16:creationId xmlns:a16="http://schemas.microsoft.com/office/drawing/2014/main" xmlns="" id="{F012BD01-A80E-5E08-B71B-D94FF6CCA886}"/>
               </a:ext>
             </a:extLst>
           </p:cNvPr>
@@ -4657,7 +5173,7 @@
           <p:cNvPr id="5" name="TextBox 4">
             <a:extLst>
               <a:ext uri="{FF2B5EF4-FFF2-40B4-BE49-F238E27FC236}">
-                <a16:creationId xmlns:a16="http://schemas.microsoft.com/office/drawing/2014/main" id="{B54E14DD-60EF-4A40-B8FA-403D24565AFA}"/>
+                <a16:creationId xmlns:a16="http://schemas.microsoft.com/office/drawing/2014/main" xmlns="" id="{B54E14DD-60EF-4A40-B8FA-403D24565AFA}"/>
               </a:ext>
             </a:extLst>
           </p:cNvPr>
@@ -4692,7 +5208,7 @@
           <p:cNvPr id="6" name="직사각형 5">
             <a:extLst>
               <a:ext uri="{FF2B5EF4-FFF2-40B4-BE49-F238E27FC236}">
-                <a16:creationId xmlns:a16="http://schemas.microsoft.com/office/drawing/2014/main" id="{4964EADF-3817-5233-3346-9A4456303997}"/>
+                <a16:creationId xmlns:a16="http://schemas.microsoft.com/office/drawing/2014/main" xmlns="" id="{4964EADF-3817-5233-3346-9A4456303997}"/>
               </a:ext>
             </a:extLst>
           </p:cNvPr>
@@ -4744,7 +5260,7 @@
           <p:cNvPr id="7" name="직사각형 6">
             <a:extLst>
               <a:ext uri="{FF2B5EF4-FFF2-40B4-BE49-F238E27FC236}">
-                <a16:creationId xmlns:a16="http://schemas.microsoft.com/office/drawing/2014/main" id="{F99AD098-1BD7-75F0-D6A0-6D9DB6479EC0}"/>
+                <a16:creationId xmlns:a16="http://schemas.microsoft.com/office/drawing/2014/main" xmlns="" id="{F99AD098-1BD7-75F0-D6A0-6D9DB6479EC0}"/>
               </a:ext>
             </a:extLst>
           </p:cNvPr>
@@ -4796,7 +5312,7 @@
           <p:cNvPr id="8" name="TextBox 7">
             <a:extLst>
               <a:ext uri="{FF2B5EF4-FFF2-40B4-BE49-F238E27FC236}">
-                <a16:creationId xmlns:a16="http://schemas.microsoft.com/office/drawing/2014/main" id="{9CC0024D-C9AA-E877-8CEA-F1C1D2F33D48}"/>
+                <a16:creationId xmlns:a16="http://schemas.microsoft.com/office/drawing/2014/main" xmlns="" id="{9CC0024D-C9AA-E877-8CEA-F1C1D2F33D48}"/>
               </a:ext>
             </a:extLst>
           </p:cNvPr>
@@ -4836,7 +5352,7 @@
           <p:cNvPr id="9" name="직사각형 8">
             <a:extLst>
               <a:ext uri="{FF2B5EF4-FFF2-40B4-BE49-F238E27FC236}">
-                <a16:creationId xmlns:a16="http://schemas.microsoft.com/office/drawing/2014/main" id="{FF182405-D367-1923-3C22-07BBDFA75DDC}"/>
+                <a16:creationId xmlns:a16="http://schemas.microsoft.com/office/drawing/2014/main" xmlns="" id="{FF182405-D367-1923-3C22-07BBDFA75DDC}"/>
               </a:ext>
             </a:extLst>
           </p:cNvPr>
@@ -4888,7 +5404,7 @@
           <p:cNvPr id="10" name="TextBox 9">
             <a:extLst>
               <a:ext uri="{FF2B5EF4-FFF2-40B4-BE49-F238E27FC236}">
-                <a16:creationId xmlns:a16="http://schemas.microsoft.com/office/drawing/2014/main" id="{B4B2AC72-8D79-D02F-9C2E-4B479CA451D5}"/>
+                <a16:creationId xmlns:a16="http://schemas.microsoft.com/office/drawing/2014/main" xmlns="" id="{B4B2AC72-8D79-D02F-9C2E-4B479CA451D5}"/>
               </a:ext>
             </a:extLst>
           </p:cNvPr>
@@ -4928,7 +5444,7 @@
           <p:cNvPr id="12" name="직사각형 11">
             <a:extLst>
               <a:ext uri="{FF2B5EF4-FFF2-40B4-BE49-F238E27FC236}">
-                <a16:creationId xmlns:a16="http://schemas.microsoft.com/office/drawing/2014/main" id="{61C7B20C-9FF0-DF1C-CCB6-CF64E28BC7EB}"/>
+                <a16:creationId xmlns:a16="http://schemas.microsoft.com/office/drawing/2014/main" xmlns="" id="{61C7B20C-9FF0-DF1C-CCB6-CF64E28BC7EB}"/>
               </a:ext>
             </a:extLst>
           </p:cNvPr>
@@ -4992,7 +5508,7 @@
           <p:cNvPr id="2" name="직사각형 1">
             <a:extLst>
               <a:ext uri="{FF2B5EF4-FFF2-40B4-BE49-F238E27FC236}">
-                <a16:creationId xmlns:a16="http://schemas.microsoft.com/office/drawing/2014/main" id="{7CA848C8-DD25-5760-4CCA-2711E02CD89F}"/>
+                <a16:creationId xmlns:a16="http://schemas.microsoft.com/office/drawing/2014/main" xmlns="" id="{7CA848C8-DD25-5760-4CCA-2711E02CD89F}"/>
               </a:ext>
             </a:extLst>
           </p:cNvPr>
@@ -5056,7 +5572,7 @@
           <p:cNvPr id="3" name="직사각형 2">
             <a:extLst>
               <a:ext uri="{FF2B5EF4-FFF2-40B4-BE49-F238E27FC236}">
-                <a16:creationId xmlns:a16="http://schemas.microsoft.com/office/drawing/2014/main" id="{2742B773-0DB1-96A9-09F5-E00FC00DCFCE}"/>
+                <a16:creationId xmlns:a16="http://schemas.microsoft.com/office/drawing/2014/main" xmlns="" id="{2742B773-0DB1-96A9-09F5-E00FC00DCFCE}"/>
               </a:ext>
             </a:extLst>
           </p:cNvPr>
@@ -5115,7 +5631,7 @@
           <p:cNvPr id="11" name="직사각형 10">
             <a:extLst>
               <a:ext uri="{FF2B5EF4-FFF2-40B4-BE49-F238E27FC236}">
-                <a16:creationId xmlns:a16="http://schemas.microsoft.com/office/drawing/2014/main" id="{3EEC549F-97C6-4897-BE3B-7C394C0141DA}"/>
+                <a16:creationId xmlns:a16="http://schemas.microsoft.com/office/drawing/2014/main" xmlns="" id="{3EEC549F-97C6-4897-BE3B-7C394C0141DA}"/>
               </a:ext>
             </a:extLst>
           </p:cNvPr>
@@ -5167,7 +5683,7 @@
           <p:cNvPr id="13" name="TextBox 12">
             <a:extLst>
               <a:ext uri="{FF2B5EF4-FFF2-40B4-BE49-F238E27FC236}">
-                <a16:creationId xmlns:a16="http://schemas.microsoft.com/office/drawing/2014/main" id="{7C762A25-2F92-F247-CCC3-8CE4B5EE7E52}"/>
+                <a16:creationId xmlns:a16="http://schemas.microsoft.com/office/drawing/2014/main" xmlns="" id="{7C762A25-2F92-F247-CCC3-8CE4B5EE7E52}"/>
               </a:ext>
             </a:extLst>
           </p:cNvPr>
@@ -5207,7 +5723,7 @@
           <p:cNvPr id="17" name="직사각형 16">
             <a:extLst>
               <a:ext uri="{FF2B5EF4-FFF2-40B4-BE49-F238E27FC236}">
-                <a16:creationId xmlns:a16="http://schemas.microsoft.com/office/drawing/2014/main" id="{0EAE41A3-6B1A-3074-42F0-B112048073D5}"/>
+                <a16:creationId xmlns:a16="http://schemas.microsoft.com/office/drawing/2014/main" xmlns="" id="{0EAE41A3-6B1A-3074-42F0-B112048073D5}"/>
               </a:ext>
             </a:extLst>
           </p:cNvPr>
@@ -5259,7 +5775,7 @@
           <p:cNvPr id="18" name="TextBox 17">
             <a:extLst>
               <a:ext uri="{FF2B5EF4-FFF2-40B4-BE49-F238E27FC236}">
-                <a16:creationId xmlns:a16="http://schemas.microsoft.com/office/drawing/2014/main" id="{0DD62DA5-8027-DCC8-39A4-639BE1C73B48}"/>
+                <a16:creationId xmlns:a16="http://schemas.microsoft.com/office/drawing/2014/main" xmlns="" id="{0DD62DA5-8027-DCC8-39A4-639BE1C73B48}"/>
               </a:ext>
             </a:extLst>
           </p:cNvPr>
@@ -5299,7 +5815,7 @@
           <p:cNvPr id="19" name="직사각형 18">
             <a:extLst>
               <a:ext uri="{FF2B5EF4-FFF2-40B4-BE49-F238E27FC236}">
-                <a16:creationId xmlns:a16="http://schemas.microsoft.com/office/drawing/2014/main" id="{0E3281A5-4F8F-8CF4-B8C6-ACC214D5BB9B}"/>
+                <a16:creationId xmlns:a16="http://schemas.microsoft.com/office/drawing/2014/main" xmlns="" id="{0E3281A5-4F8F-8CF4-B8C6-ACC214D5BB9B}"/>
               </a:ext>
             </a:extLst>
           </p:cNvPr>
@@ -5351,7 +5867,7 @@
           <p:cNvPr id="20" name="TextBox 19">
             <a:extLst>
               <a:ext uri="{FF2B5EF4-FFF2-40B4-BE49-F238E27FC236}">
-                <a16:creationId xmlns:a16="http://schemas.microsoft.com/office/drawing/2014/main" id="{D4C2E759-3F60-62E2-9DB1-00FD0A630488}"/>
+                <a16:creationId xmlns:a16="http://schemas.microsoft.com/office/drawing/2014/main" xmlns="" id="{D4C2E759-3F60-62E2-9DB1-00FD0A630488}"/>
               </a:ext>
             </a:extLst>
           </p:cNvPr>
@@ -5389,7 +5905,7 @@
     </p:spTree>
     <p:extLst>
       <p:ext uri="{BB962C8B-B14F-4D97-AF65-F5344CB8AC3E}">
-        <p14:creationId xmlns:p14="http://schemas.microsoft.com/office/powerpoint/2010/main" val="2708531533"/>
+        <p14:creationId xmlns:p14="http://schemas.microsoft.com/office/powerpoint/2010/main" xmlns="" val="2708531533"/>
       </p:ext>
     </p:extLst>
   </p:cSld>
@@ -5421,7 +5937,7 @@
           <p:cNvPr id="4" name="직사각형 3">
             <a:extLst>
               <a:ext uri="{FF2B5EF4-FFF2-40B4-BE49-F238E27FC236}">
-                <a16:creationId xmlns:a16="http://schemas.microsoft.com/office/drawing/2014/main" id="{F012BD01-A80E-5E08-B71B-D94FF6CCA886}"/>
+                <a16:creationId xmlns:a16="http://schemas.microsoft.com/office/drawing/2014/main" xmlns="" id="{F012BD01-A80E-5E08-B71B-D94FF6CCA886}"/>
               </a:ext>
             </a:extLst>
           </p:cNvPr>
@@ -5473,7 +5989,7 @@
           <p:cNvPr id="5" name="TextBox 4">
             <a:extLst>
               <a:ext uri="{FF2B5EF4-FFF2-40B4-BE49-F238E27FC236}">
-                <a16:creationId xmlns:a16="http://schemas.microsoft.com/office/drawing/2014/main" id="{B54E14DD-60EF-4A40-B8FA-403D24565AFA}"/>
+                <a16:creationId xmlns:a16="http://schemas.microsoft.com/office/drawing/2014/main" xmlns="" id="{B54E14DD-60EF-4A40-B8FA-403D24565AFA}"/>
               </a:ext>
             </a:extLst>
           </p:cNvPr>
@@ -5509,7 +6025,7 @@
           <p:cNvPr id="15" name="직사각형 14">
             <a:extLst>
               <a:ext uri="{FF2B5EF4-FFF2-40B4-BE49-F238E27FC236}">
-                <a16:creationId xmlns:a16="http://schemas.microsoft.com/office/drawing/2014/main" id="{A226DDB9-2A15-45EC-7304-A6D92219D1CA}"/>
+                <a16:creationId xmlns:a16="http://schemas.microsoft.com/office/drawing/2014/main" xmlns="" id="{A226DDB9-2A15-45EC-7304-A6D92219D1CA}"/>
               </a:ext>
             </a:extLst>
           </p:cNvPr>
@@ -5573,7 +6089,7 @@
           <p:cNvPr id="16" name="직사각형 15">
             <a:extLst>
               <a:ext uri="{FF2B5EF4-FFF2-40B4-BE49-F238E27FC236}">
-                <a16:creationId xmlns:a16="http://schemas.microsoft.com/office/drawing/2014/main" id="{EBC7AEC0-06E0-B86B-6CEB-DA31CC79693C}"/>
+                <a16:creationId xmlns:a16="http://schemas.microsoft.com/office/drawing/2014/main" xmlns="" id="{EBC7AEC0-06E0-B86B-6CEB-DA31CC79693C}"/>
               </a:ext>
             </a:extLst>
           </p:cNvPr>
@@ -5637,7 +6153,7 @@
           <p:cNvPr id="21" name="직사각형 20">
             <a:extLst>
               <a:ext uri="{FF2B5EF4-FFF2-40B4-BE49-F238E27FC236}">
-                <a16:creationId xmlns:a16="http://schemas.microsoft.com/office/drawing/2014/main" id="{87C953E1-3DB2-A401-3F14-C25D99BEA970}"/>
+                <a16:creationId xmlns:a16="http://schemas.microsoft.com/office/drawing/2014/main" xmlns="" id="{87C953E1-3DB2-A401-3F14-C25D99BEA970}"/>
               </a:ext>
             </a:extLst>
           </p:cNvPr>
@@ -5696,7 +6212,7 @@
           <p:cNvPr id="22" name="직사각형 21">
             <a:extLst>
               <a:ext uri="{FF2B5EF4-FFF2-40B4-BE49-F238E27FC236}">
-                <a16:creationId xmlns:a16="http://schemas.microsoft.com/office/drawing/2014/main" id="{F43C8058-80CF-E676-5A76-791399AF5707}"/>
+                <a16:creationId xmlns:a16="http://schemas.microsoft.com/office/drawing/2014/main" xmlns="" id="{F43C8058-80CF-E676-5A76-791399AF5707}"/>
               </a:ext>
             </a:extLst>
           </p:cNvPr>
@@ -5755,7 +6271,7 @@
           <p:cNvPr id="23" name="직사각형 22">
             <a:extLst>
               <a:ext uri="{FF2B5EF4-FFF2-40B4-BE49-F238E27FC236}">
-                <a16:creationId xmlns:a16="http://schemas.microsoft.com/office/drawing/2014/main" id="{90F6933B-68B5-243A-BF60-6328CACD372D}"/>
+                <a16:creationId xmlns:a16="http://schemas.microsoft.com/office/drawing/2014/main" xmlns="" id="{90F6933B-68B5-243A-BF60-6328CACD372D}"/>
               </a:ext>
             </a:extLst>
           </p:cNvPr>
@@ -5828,7 +6344,7 @@
     </p:spTree>
     <p:extLst>
       <p:ext uri="{BB962C8B-B14F-4D97-AF65-F5344CB8AC3E}">
-        <p14:creationId xmlns:p14="http://schemas.microsoft.com/office/powerpoint/2010/main" val="2072967506"/>
+        <p14:creationId xmlns:p14="http://schemas.microsoft.com/office/powerpoint/2010/main" xmlns="" val="2072967506"/>
       </p:ext>
     </p:extLst>
   </p:cSld>
@@ -5860,7 +6376,7 @@
           <p:cNvPr id="4" name="직사각형 3">
             <a:extLst>
               <a:ext uri="{FF2B5EF4-FFF2-40B4-BE49-F238E27FC236}">
-                <a16:creationId xmlns:a16="http://schemas.microsoft.com/office/drawing/2014/main" id="{F012BD01-A80E-5E08-B71B-D94FF6CCA886}"/>
+                <a16:creationId xmlns:a16="http://schemas.microsoft.com/office/drawing/2014/main" xmlns="" id="{F012BD01-A80E-5E08-B71B-D94FF6CCA886}"/>
               </a:ext>
             </a:extLst>
           </p:cNvPr>
@@ -5912,7 +6428,7 @@
           <p:cNvPr id="5" name="TextBox 4">
             <a:extLst>
               <a:ext uri="{FF2B5EF4-FFF2-40B4-BE49-F238E27FC236}">
-                <a16:creationId xmlns:a16="http://schemas.microsoft.com/office/drawing/2014/main" id="{B54E14DD-60EF-4A40-B8FA-403D24565AFA}"/>
+                <a16:creationId xmlns:a16="http://schemas.microsoft.com/office/drawing/2014/main" xmlns="" id="{B54E14DD-60EF-4A40-B8FA-403D24565AFA}"/>
               </a:ext>
             </a:extLst>
           </p:cNvPr>
@@ -5948,7 +6464,7 @@
           <p:cNvPr id="16" name="직사각형 15">
             <a:extLst>
               <a:ext uri="{FF2B5EF4-FFF2-40B4-BE49-F238E27FC236}">
-                <a16:creationId xmlns:a16="http://schemas.microsoft.com/office/drawing/2014/main" id="{EBC7AEC0-06E0-B86B-6CEB-DA31CC79693C}"/>
+                <a16:creationId xmlns:a16="http://schemas.microsoft.com/office/drawing/2014/main" xmlns="" id="{EBC7AEC0-06E0-B86B-6CEB-DA31CC79693C}"/>
               </a:ext>
             </a:extLst>
           </p:cNvPr>
@@ -6036,7 +6552,7 @@
           <p:cNvPr id="23" name="직사각형 22">
             <a:extLst>
               <a:ext uri="{FF2B5EF4-FFF2-40B4-BE49-F238E27FC236}">
-                <a16:creationId xmlns:a16="http://schemas.microsoft.com/office/drawing/2014/main" id="{90F6933B-68B5-243A-BF60-6328CACD372D}"/>
+                <a16:creationId xmlns:a16="http://schemas.microsoft.com/office/drawing/2014/main" xmlns="" id="{90F6933B-68B5-243A-BF60-6328CACD372D}"/>
               </a:ext>
             </a:extLst>
           </p:cNvPr>
@@ -6111,7 +6627,7 @@
           <p:cNvPr id="2" name="TextBox 1">
             <a:extLst>
               <a:ext uri="{FF2B5EF4-FFF2-40B4-BE49-F238E27FC236}">
-                <a16:creationId xmlns:a16="http://schemas.microsoft.com/office/drawing/2014/main" id="{0E99756C-357D-6F4B-A01A-3F1ED378F895}"/>
+                <a16:creationId xmlns:a16="http://schemas.microsoft.com/office/drawing/2014/main" xmlns="" id="{0E99756C-357D-6F4B-A01A-3F1ED378F895}"/>
               </a:ext>
             </a:extLst>
           </p:cNvPr>
@@ -6146,7 +6662,7 @@
           <p:cNvPr id="3" name="직사각형 2">
             <a:extLst>
               <a:ext uri="{FF2B5EF4-FFF2-40B4-BE49-F238E27FC236}">
-                <a16:creationId xmlns:a16="http://schemas.microsoft.com/office/drawing/2014/main" id="{24EE2749-E8AB-E827-7734-146B1F383532}"/>
+                <a16:creationId xmlns:a16="http://schemas.microsoft.com/office/drawing/2014/main" xmlns="" id="{24EE2749-E8AB-E827-7734-146B1F383532}"/>
               </a:ext>
             </a:extLst>
           </p:cNvPr>
@@ -6213,7 +6729,7 @@
           <p:cNvPr id="6" name="직사각형 5">
             <a:extLst>
               <a:ext uri="{FF2B5EF4-FFF2-40B4-BE49-F238E27FC236}">
-                <a16:creationId xmlns:a16="http://schemas.microsoft.com/office/drawing/2014/main" id="{AE33B3CF-C66E-E13B-984A-001D2F00BC82}"/>
+                <a16:creationId xmlns:a16="http://schemas.microsoft.com/office/drawing/2014/main" xmlns="" id="{AE33B3CF-C66E-E13B-984A-001D2F00BC82}"/>
               </a:ext>
             </a:extLst>
           </p:cNvPr>
@@ -6280,7 +6796,7 @@
           <p:cNvPr id="7" name="직사각형 6">
             <a:extLst>
               <a:ext uri="{FF2B5EF4-FFF2-40B4-BE49-F238E27FC236}">
-                <a16:creationId xmlns:a16="http://schemas.microsoft.com/office/drawing/2014/main" id="{340A08E1-C48A-3368-A27E-FCCC8893945C}"/>
+                <a16:creationId xmlns:a16="http://schemas.microsoft.com/office/drawing/2014/main" xmlns="" id="{340A08E1-C48A-3368-A27E-FCCC8893945C}"/>
               </a:ext>
             </a:extLst>
           </p:cNvPr>
@@ -6347,7 +6863,7 @@
           <p:cNvPr id="8" name="직사각형 7">
             <a:extLst>
               <a:ext uri="{FF2B5EF4-FFF2-40B4-BE49-F238E27FC236}">
-                <a16:creationId xmlns:a16="http://schemas.microsoft.com/office/drawing/2014/main" id="{875F8F80-4E96-A6C5-028C-F730CE6F7AA8}"/>
+                <a16:creationId xmlns:a16="http://schemas.microsoft.com/office/drawing/2014/main" xmlns="" id="{875F8F80-4E96-A6C5-028C-F730CE6F7AA8}"/>
               </a:ext>
             </a:extLst>
           </p:cNvPr>
@@ -6414,7 +6930,7 @@
           <p:cNvPr id="9" name="직사각형 8">
             <a:extLst>
               <a:ext uri="{FF2B5EF4-FFF2-40B4-BE49-F238E27FC236}">
-                <a16:creationId xmlns:a16="http://schemas.microsoft.com/office/drawing/2014/main" id="{A0CF2FDF-EF87-5194-9A06-08C7866BEEF4}"/>
+                <a16:creationId xmlns:a16="http://schemas.microsoft.com/office/drawing/2014/main" xmlns="" id="{A0CF2FDF-EF87-5194-9A06-08C7866BEEF4}"/>
               </a:ext>
             </a:extLst>
           </p:cNvPr>
@@ -6479,7 +6995,7 @@
     </p:spTree>
     <p:extLst>
       <p:ext uri="{BB962C8B-B14F-4D97-AF65-F5344CB8AC3E}">
-        <p14:creationId xmlns:p14="http://schemas.microsoft.com/office/powerpoint/2010/main" val="3222127784"/>
+        <p14:creationId xmlns:p14="http://schemas.microsoft.com/office/powerpoint/2010/main" xmlns="" val="3222127784"/>
       </p:ext>
     </p:extLst>
   </p:cSld>
@@ -6511,7 +7027,7 @@
           <p:cNvPr id="4" name="직사각형 3">
             <a:extLst>
               <a:ext uri="{FF2B5EF4-FFF2-40B4-BE49-F238E27FC236}">
-                <a16:creationId xmlns:a16="http://schemas.microsoft.com/office/drawing/2014/main" id="{F012BD01-A80E-5E08-B71B-D94FF6CCA886}"/>
+                <a16:creationId xmlns:a16="http://schemas.microsoft.com/office/drawing/2014/main" xmlns="" id="{F012BD01-A80E-5E08-B71B-D94FF6CCA886}"/>
               </a:ext>
             </a:extLst>
           </p:cNvPr>
@@ -6563,7 +7079,7 @@
           <p:cNvPr id="5" name="TextBox 4">
             <a:extLst>
               <a:ext uri="{FF2B5EF4-FFF2-40B4-BE49-F238E27FC236}">
-                <a16:creationId xmlns:a16="http://schemas.microsoft.com/office/drawing/2014/main" id="{B54E14DD-60EF-4A40-B8FA-403D24565AFA}"/>
+                <a16:creationId xmlns:a16="http://schemas.microsoft.com/office/drawing/2014/main" xmlns="" id="{B54E14DD-60EF-4A40-B8FA-403D24565AFA}"/>
               </a:ext>
             </a:extLst>
           </p:cNvPr>
@@ -6599,7 +7115,7 @@
           <p:cNvPr id="16" name="직사각형 15">
             <a:extLst>
               <a:ext uri="{FF2B5EF4-FFF2-40B4-BE49-F238E27FC236}">
-                <a16:creationId xmlns:a16="http://schemas.microsoft.com/office/drawing/2014/main" id="{EBC7AEC0-06E0-B86B-6CEB-DA31CC79693C}"/>
+                <a16:creationId xmlns:a16="http://schemas.microsoft.com/office/drawing/2014/main" xmlns="" id="{EBC7AEC0-06E0-B86B-6CEB-DA31CC79693C}"/>
               </a:ext>
             </a:extLst>
           </p:cNvPr>
@@ -6687,7 +7203,7 @@
           <p:cNvPr id="23" name="직사각형 22">
             <a:extLst>
               <a:ext uri="{FF2B5EF4-FFF2-40B4-BE49-F238E27FC236}">
-                <a16:creationId xmlns:a16="http://schemas.microsoft.com/office/drawing/2014/main" id="{90F6933B-68B5-243A-BF60-6328CACD372D}"/>
+                <a16:creationId xmlns:a16="http://schemas.microsoft.com/office/drawing/2014/main" xmlns="" id="{90F6933B-68B5-243A-BF60-6328CACD372D}"/>
               </a:ext>
             </a:extLst>
           </p:cNvPr>
@@ -6762,7 +7278,7 @@
           <p:cNvPr id="2" name="TextBox 1">
             <a:extLst>
               <a:ext uri="{FF2B5EF4-FFF2-40B4-BE49-F238E27FC236}">
-                <a16:creationId xmlns:a16="http://schemas.microsoft.com/office/drawing/2014/main" id="{0E99756C-357D-6F4B-A01A-3F1ED378F895}"/>
+                <a16:creationId xmlns:a16="http://schemas.microsoft.com/office/drawing/2014/main" xmlns="" id="{0E99756C-357D-6F4B-A01A-3F1ED378F895}"/>
               </a:ext>
             </a:extLst>
           </p:cNvPr>
@@ -6797,7 +7313,7 @@
           <p:cNvPr id="11" name="화살표: 오른쪽 10">
             <a:extLst>
               <a:ext uri="{FF2B5EF4-FFF2-40B4-BE49-F238E27FC236}">
-                <a16:creationId xmlns:a16="http://schemas.microsoft.com/office/drawing/2014/main" id="{41C10214-659E-C61C-9865-81B5D5D76F26}"/>
+                <a16:creationId xmlns:a16="http://schemas.microsoft.com/office/drawing/2014/main" xmlns="" id="{41C10214-659E-C61C-9865-81B5D5D76F26}"/>
               </a:ext>
             </a:extLst>
           </p:cNvPr>
@@ -6843,7 +7359,7 @@
           <p:cNvPr id="12" name="화살표: 오른쪽 11">
             <a:extLst>
               <a:ext uri="{FF2B5EF4-FFF2-40B4-BE49-F238E27FC236}">
-                <a16:creationId xmlns:a16="http://schemas.microsoft.com/office/drawing/2014/main" id="{262452F4-1A43-CE16-86E1-D29EEA9503C2}"/>
+                <a16:creationId xmlns:a16="http://schemas.microsoft.com/office/drawing/2014/main" xmlns="" id="{262452F4-1A43-CE16-86E1-D29EEA9503C2}"/>
               </a:ext>
             </a:extLst>
           </p:cNvPr>
@@ -6889,7 +7405,7 @@
           <p:cNvPr id="13" name="TextBox 12">
             <a:extLst>
               <a:ext uri="{FF2B5EF4-FFF2-40B4-BE49-F238E27FC236}">
-                <a16:creationId xmlns:a16="http://schemas.microsoft.com/office/drawing/2014/main" id="{B93FA141-BC27-C315-42EC-5DFFD81DE064}"/>
+                <a16:creationId xmlns:a16="http://schemas.microsoft.com/office/drawing/2014/main" xmlns="" id="{B93FA141-BC27-C315-42EC-5DFFD81DE064}"/>
               </a:ext>
             </a:extLst>
           </p:cNvPr>
@@ -6928,7 +7444,7 @@
           <p:cNvPr id="14" name="TextBox 13">
             <a:extLst>
               <a:ext uri="{FF2B5EF4-FFF2-40B4-BE49-F238E27FC236}">
-                <a16:creationId xmlns:a16="http://schemas.microsoft.com/office/drawing/2014/main" id="{6F3AABBF-4828-EC94-0E74-67E53B040C79}"/>
+                <a16:creationId xmlns:a16="http://schemas.microsoft.com/office/drawing/2014/main" xmlns="" id="{6F3AABBF-4828-EC94-0E74-67E53B040C79}"/>
               </a:ext>
             </a:extLst>
           </p:cNvPr>
@@ -6974,7 +7490,7 @@
           <p:cNvPr id="17" name="직사각형 16">
             <a:extLst>
               <a:ext uri="{FF2B5EF4-FFF2-40B4-BE49-F238E27FC236}">
-                <a16:creationId xmlns:a16="http://schemas.microsoft.com/office/drawing/2014/main" id="{E9CAF7F7-E04B-E786-924B-6277E546AD94}"/>
+                <a16:creationId xmlns:a16="http://schemas.microsoft.com/office/drawing/2014/main" xmlns="" id="{E9CAF7F7-E04B-E786-924B-6277E546AD94}"/>
               </a:ext>
             </a:extLst>
           </p:cNvPr>
@@ -7033,7 +7549,7 @@
           <p:cNvPr id="18" name="TextBox 17">
             <a:extLst>
               <a:ext uri="{FF2B5EF4-FFF2-40B4-BE49-F238E27FC236}">
-                <a16:creationId xmlns:a16="http://schemas.microsoft.com/office/drawing/2014/main" id="{F448A109-3C50-1452-9726-2FAF61008432}"/>
+                <a16:creationId xmlns:a16="http://schemas.microsoft.com/office/drawing/2014/main" xmlns="" id="{F448A109-3C50-1452-9726-2FAF61008432}"/>
               </a:ext>
             </a:extLst>
           </p:cNvPr>
@@ -7078,7 +7594,7 @@
     </p:spTree>
     <p:extLst>
       <p:ext uri="{BB962C8B-B14F-4D97-AF65-F5344CB8AC3E}">
-        <p14:creationId xmlns:p14="http://schemas.microsoft.com/office/powerpoint/2010/main" val="266963381"/>
+        <p14:creationId xmlns:p14="http://schemas.microsoft.com/office/powerpoint/2010/main" xmlns="" val="266963381"/>
       </p:ext>
     </p:extLst>
   </p:cSld>
@@ -7110,7 +7626,7 @@
           <p:cNvPr id="4" name="직사각형 3">
             <a:extLst>
               <a:ext uri="{FF2B5EF4-FFF2-40B4-BE49-F238E27FC236}">
-                <a16:creationId xmlns:a16="http://schemas.microsoft.com/office/drawing/2014/main" id="{F012BD01-A80E-5E08-B71B-D94FF6CCA886}"/>
+                <a16:creationId xmlns:a16="http://schemas.microsoft.com/office/drawing/2014/main" xmlns="" id="{F012BD01-A80E-5E08-B71B-D94FF6CCA886}"/>
               </a:ext>
             </a:extLst>
           </p:cNvPr>
@@ -7162,7 +7678,7 @@
           <p:cNvPr id="5" name="TextBox 4">
             <a:extLst>
               <a:ext uri="{FF2B5EF4-FFF2-40B4-BE49-F238E27FC236}">
-                <a16:creationId xmlns:a16="http://schemas.microsoft.com/office/drawing/2014/main" id="{B54E14DD-60EF-4A40-B8FA-403D24565AFA}"/>
+                <a16:creationId xmlns:a16="http://schemas.microsoft.com/office/drawing/2014/main" xmlns="" id="{B54E14DD-60EF-4A40-B8FA-403D24565AFA}"/>
               </a:ext>
             </a:extLst>
           </p:cNvPr>
@@ -7198,7 +7714,7 @@
           <p:cNvPr id="23" name="직사각형 22">
             <a:extLst>
               <a:ext uri="{FF2B5EF4-FFF2-40B4-BE49-F238E27FC236}">
-                <a16:creationId xmlns:a16="http://schemas.microsoft.com/office/drawing/2014/main" id="{90F6933B-68B5-243A-BF60-6328CACD372D}"/>
+                <a16:creationId xmlns:a16="http://schemas.microsoft.com/office/drawing/2014/main" xmlns="" id="{90F6933B-68B5-243A-BF60-6328CACD372D}"/>
               </a:ext>
             </a:extLst>
           </p:cNvPr>
@@ -7273,7 +7789,7 @@
           <p:cNvPr id="2" name="TextBox 1">
             <a:extLst>
               <a:ext uri="{FF2B5EF4-FFF2-40B4-BE49-F238E27FC236}">
-                <a16:creationId xmlns:a16="http://schemas.microsoft.com/office/drawing/2014/main" id="{0E99756C-357D-6F4B-A01A-3F1ED378F895}"/>
+                <a16:creationId xmlns:a16="http://schemas.microsoft.com/office/drawing/2014/main" xmlns="" id="{0E99756C-357D-6F4B-A01A-3F1ED378F895}"/>
               </a:ext>
             </a:extLst>
           </p:cNvPr>
@@ -7308,7 +7824,7 @@
           <p:cNvPr id="13" name="TextBox 12">
             <a:extLst>
               <a:ext uri="{FF2B5EF4-FFF2-40B4-BE49-F238E27FC236}">
-                <a16:creationId xmlns:a16="http://schemas.microsoft.com/office/drawing/2014/main" id="{B93FA141-BC27-C315-42EC-5DFFD81DE064}"/>
+                <a16:creationId xmlns:a16="http://schemas.microsoft.com/office/drawing/2014/main" xmlns="" id="{B93FA141-BC27-C315-42EC-5DFFD81DE064}"/>
               </a:ext>
             </a:extLst>
           </p:cNvPr>
@@ -7347,7 +7863,7 @@
           <p:cNvPr id="17" name="직사각형 16">
             <a:extLst>
               <a:ext uri="{FF2B5EF4-FFF2-40B4-BE49-F238E27FC236}">
-                <a16:creationId xmlns:a16="http://schemas.microsoft.com/office/drawing/2014/main" id="{E9CAF7F7-E04B-E786-924B-6277E546AD94}"/>
+                <a16:creationId xmlns:a16="http://schemas.microsoft.com/office/drawing/2014/main" xmlns="" id="{E9CAF7F7-E04B-E786-924B-6277E546AD94}"/>
               </a:ext>
             </a:extLst>
           </p:cNvPr>
@@ -7406,7 +7922,7 @@
           <p:cNvPr id="3" name="TextBox 2">
             <a:extLst>
               <a:ext uri="{FF2B5EF4-FFF2-40B4-BE49-F238E27FC236}">
-                <a16:creationId xmlns:a16="http://schemas.microsoft.com/office/drawing/2014/main" id="{6CF04955-6363-48FD-90E7-5C2986A1897F}"/>
+                <a16:creationId xmlns:a16="http://schemas.microsoft.com/office/drawing/2014/main" xmlns="" id="{6CF04955-6363-48FD-90E7-5C2986A1897F}"/>
               </a:ext>
             </a:extLst>
           </p:cNvPr>
@@ -7446,7 +7962,7 @@
           <p:cNvPr id="6" name="TextBox 5">
             <a:extLst>
               <a:ext uri="{FF2B5EF4-FFF2-40B4-BE49-F238E27FC236}">
-                <a16:creationId xmlns:a16="http://schemas.microsoft.com/office/drawing/2014/main" id="{70B537F5-E232-279E-5E4C-69734CD5FCF7}"/>
+                <a16:creationId xmlns:a16="http://schemas.microsoft.com/office/drawing/2014/main" xmlns="" id="{70B537F5-E232-279E-5E4C-69734CD5FCF7}"/>
               </a:ext>
             </a:extLst>
           </p:cNvPr>
@@ -7486,7 +8002,7 @@
           <p:cNvPr id="7" name="TextBox 6">
             <a:extLst>
               <a:ext uri="{FF2B5EF4-FFF2-40B4-BE49-F238E27FC236}">
-                <a16:creationId xmlns:a16="http://schemas.microsoft.com/office/drawing/2014/main" id="{2AADE53E-24A4-E9C0-F221-9061C2CC7C65}"/>
+                <a16:creationId xmlns:a16="http://schemas.microsoft.com/office/drawing/2014/main" xmlns="" id="{2AADE53E-24A4-E9C0-F221-9061C2CC7C65}"/>
               </a:ext>
             </a:extLst>
           </p:cNvPr>
@@ -7529,7 +8045,7 @@
           <p:cNvPr id="8" name="직사각형 7">
             <a:extLst>
               <a:ext uri="{FF2B5EF4-FFF2-40B4-BE49-F238E27FC236}">
-                <a16:creationId xmlns:a16="http://schemas.microsoft.com/office/drawing/2014/main" id="{39C21010-88E6-0549-28A4-2928CCA8AE49}"/>
+                <a16:creationId xmlns:a16="http://schemas.microsoft.com/office/drawing/2014/main" xmlns="" id="{39C21010-88E6-0549-28A4-2928CCA8AE49}"/>
               </a:ext>
             </a:extLst>
           </p:cNvPr>
@@ -7585,7 +8101,7 @@
           <p:cNvPr id="9" name="TextBox 8">
             <a:extLst>
               <a:ext uri="{FF2B5EF4-FFF2-40B4-BE49-F238E27FC236}">
-                <a16:creationId xmlns:a16="http://schemas.microsoft.com/office/drawing/2014/main" id="{A1342883-85FF-4701-B0EF-D32540EFCBB6}"/>
+                <a16:creationId xmlns:a16="http://schemas.microsoft.com/office/drawing/2014/main" xmlns="" id="{A1342883-85FF-4701-B0EF-D32540EFCBB6}"/>
               </a:ext>
             </a:extLst>
           </p:cNvPr>
@@ -7626,7 +8142,7 @@
     </p:spTree>
     <p:extLst>
       <p:ext uri="{BB962C8B-B14F-4D97-AF65-F5344CB8AC3E}">
-        <p14:creationId xmlns:p14="http://schemas.microsoft.com/office/powerpoint/2010/main" val="1106966272"/>
+        <p14:creationId xmlns:p14="http://schemas.microsoft.com/office/powerpoint/2010/main" xmlns="" val="1106966272"/>
       </p:ext>
     </p:extLst>
   </p:cSld>
@@ -7658,7 +8174,7 @@
           <p:cNvPr id="4" name="직사각형 3">
             <a:extLst>
               <a:ext uri="{FF2B5EF4-FFF2-40B4-BE49-F238E27FC236}">
-                <a16:creationId xmlns:a16="http://schemas.microsoft.com/office/drawing/2014/main" id="{F012BD01-A80E-5E08-B71B-D94FF6CCA886}"/>
+                <a16:creationId xmlns:a16="http://schemas.microsoft.com/office/drawing/2014/main" xmlns="" id="{F012BD01-A80E-5E08-B71B-D94FF6CCA886}"/>
               </a:ext>
             </a:extLst>
           </p:cNvPr>
@@ -7710,7 +8226,7 @@
           <p:cNvPr id="5" name="TextBox 4">
             <a:extLst>
               <a:ext uri="{FF2B5EF4-FFF2-40B4-BE49-F238E27FC236}">
-                <a16:creationId xmlns:a16="http://schemas.microsoft.com/office/drawing/2014/main" id="{B54E14DD-60EF-4A40-B8FA-403D24565AFA}"/>
+                <a16:creationId xmlns:a16="http://schemas.microsoft.com/office/drawing/2014/main" xmlns="" id="{B54E14DD-60EF-4A40-B8FA-403D24565AFA}"/>
               </a:ext>
             </a:extLst>
           </p:cNvPr>
@@ -7745,7 +8261,7 @@
           <p:cNvPr id="23" name="직사각형 22">
             <a:extLst>
               <a:ext uri="{FF2B5EF4-FFF2-40B4-BE49-F238E27FC236}">
-                <a16:creationId xmlns:a16="http://schemas.microsoft.com/office/drawing/2014/main" id="{90F6933B-68B5-243A-BF60-6328CACD372D}"/>
+                <a16:creationId xmlns:a16="http://schemas.microsoft.com/office/drawing/2014/main" xmlns="" id="{90F6933B-68B5-243A-BF60-6328CACD372D}"/>
               </a:ext>
             </a:extLst>
           </p:cNvPr>
@@ -7820,7 +8336,7 @@
           <p:cNvPr id="2" name="TextBox 1">
             <a:extLst>
               <a:ext uri="{FF2B5EF4-FFF2-40B4-BE49-F238E27FC236}">
-                <a16:creationId xmlns:a16="http://schemas.microsoft.com/office/drawing/2014/main" id="{0E99756C-357D-6F4B-A01A-3F1ED378F895}"/>
+                <a16:creationId xmlns:a16="http://schemas.microsoft.com/office/drawing/2014/main" xmlns="" id="{0E99756C-357D-6F4B-A01A-3F1ED378F895}"/>
               </a:ext>
             </a:extLst>
           </p:cNvPr>
@@ -7868,7 +8384,7 @@
           <p:cNvPr id="13" name="TextBox 12">
             <a:extLst>
               <a:ext uri="{FF2B5EF4-FFF2-40B4-BE49-F238E27FC236}">
-                <a16:creationId xmlns:a16="http://schemas.microsoft.com/office/drawing/2014/main" id="{B93FA141-BC27-C315-42EC-5DFFD81DE064}"/>
+                <a16:creationId xmlns:a16="http://schemas.microsoft.com/office/drawing/2014/main" xmlns="" id="{B93FA141-BC27-C315-42EC-5DFFD81DE064}"/>
               </a:ext>
             </a:extLst>
           </p:cNvPr>
@@ -7905,7 +8421,7 @@
     </p:spTree>
     <p:extLst>
       <p:ext uri="{BB962C8B-B14F-4D97-AF65-F5344CB8AC3E}">
-        <p14:creationId xmlns:p14="http://schemas.microsoft.com/office/powerpoint/2010/main" val="3344758173"/>
+        <p14:creationId xmlns:p14="http://schemas.microsoft.com/office/powerpoint/2010/main" xmlns="" val="3344758173"/>
       </p:ext>
     </p:extLst>
   </p:cSld>
@@ -7937,7 +8453,7 @@
           <p:cNvPr id="4" name="직사각형 3">
             <a:extLst>
               <a:ext uri="{FF2B5EF4-FFF2-40B4-BE49-F238E27FC236}">
-                <a16:creationId xmlns:a16="http://schemas.microsoft.com/office/drawing/2014/main" id="{F012BD01-A80E-5E08-B71B-D94FF6CCA886}"/>
+                <a16:creationId xmlns:a16="http://schemas.microsoft.com/office/drawing/2014/main" xmlns="" id="{F012BD01-A80E-5E08-B71B-D94FF6CCA886}"/>
               </a:ext>
             </a:extLst>
           </p:cNvPr>
@@ -7989,7 +8505,7 @@
           <p:cNvPr id="5" name="TextBox 4">
             <a:extLst>
               <a:ext uri="{FF2B5EF4-FFF2-40B4-BE49-F238E27FC236}">
-                <a16:creationId xmlns:a16="http://schemas.microsoft.com/office/drawing/2014/main" id="{B54E14DD-60EF-4A40-B8FA-403D24565AFA}"/>
+                <a16:creationId xmlns:a16="http://schemas.microsoft.com/office/drawing/2014/main" xmlns="" id="{B54E14DD-60EF-4A40-B8FA-403D24565AFA}"/>
               </a:ext>
             </a:extLst>
           </p:cNvPr>
@@ -8024,7 +8540,7 @@
           <p:cNvPr id="23" name="직사각형 22">
             <a:extLst>
               <a:ext uri="{FF2B5EF4-FFF2-40B4-BE49-F238E27FC236}">
-                <a16:creationId xmlns:a16="http://schemas.microsoft.com/office/drawing/2014/main" id="{90F6933B-68B5-243A-BF60-6328CACD372D}"/>
+                <a16:creationId xmlns:a16="http://schemas.microsoft.com/office/drawing/2014/main" xmlns="" id="{90F6933B-68B5-243A-BF60-6328CACD372D}"/>
               </a:ext>
             </a:extLst>
           </p:cNvPr>
@@ -8099,7 +8615,7 @@
           <p:cNvPr id="2" name="TextBox 1">
             <a:extLst>
               <a:ext uri="{FF2B5EF4-FFF2-40B4-BE49-F238E27FC236}">
-                <a16:creationId xmlns:a16="http://schemas.microsoft.com/office/drawing/2014/main" id="{0E99756C-357D-6F4B-A01A-3F1ED378F895}"/>
+                <a16:creationId xmlns:a16="http://schemas.microsoft.com/office/drawing/2014/main" xmlns="" id="{0E99756C-357D-6F4B-A01A-3F1ED378F895}"/>
               </a:ext>
             </a:extLst>
           </p:cNvPr>
@@ -8134,7 +8650,7 @@
           <p:cNvPr id="3" name="표 5">
             <a:extLst>
               <a:ext uri="{FF2B5EF4-FFF2-40B4-BE49-F238E27FC236}">
-                <a16:creationId xmlns:a16="http://schemas.microsoft.com/office/drawing/2014/main" id="{39959444-0D58-7E23-7DBA-4E5874A0BBF1}"/>
+                <a16:creationId xmlns:a16="http://schemas.microsoft.com/office/drawing/2014/main" xmlns="" id="{39959444-0D58-7E23-7DBA-4E5874A0BBF1}"/>
               </a:ext>
             </a:extLst>
           </p:cNvPr>
@@ -8144,7 +8660,7 @@
           <p:nvPr>
             <p:extLst>
               <p:ext uri="{D42A27DB-BD31-4B8C-83A1-F6EECF244321}">
-                <p14:modId xmlns:p14="http://schemas.microsoft.com/office/powerpoint/2010/main" val="2924329034"/>
+                <p14:modId xmlns:p14="http://schemas.microsoft.com/office/powerpoint/2010/main" xmlns="" val="2924329034"/>
               </p:ext>
             </p:extLst>
           </p:nvPr>
@@ -8163,35 +8679,35 @@
                 <a:gridCol w="1440483">
                   <a:extLst>
                     <a:ext uri="{9D8B030D-6E8A-4147-A177-3AD203B41FA5}">
-                      <a16:colId xmlns:a16="http://schemas.microsoft.com/office/drawing/2014/main" val="2516181478"/>
+                      <a16:colId xmlns:a16="http://schemas.microsoft.com/office/drawing/2014/main" xmlns="" val="2516181478"/>
                     </a:ext>
                   </a:extLst>
                 </a:gridCol>
-                <a:gridCol w="1440483">
+                <a:gridCol w="1081026">
                   <a:extLst>
                     <a:ext uri="{9D8B030D-6E8A-4147-A177-3AD203B41FA5}">
-                      <a16:colId xmlns:a16="http://schemas.microsoft.com/office/drawing/2014/main" val="1650150208"/>
+                      <a16:colId xmlns:a16="http://schemas.microsoft.com/office/drawing/2014/main" xmlns="" val="1650150208"/>
                     </a:ext>
                   </a:extLst>
                 </a:gridCol>
-                <a:gridCol w="1440483">
+                <a:gridCol w="1260389">
                   <a:extLst>
                     <a:ext uri="{9D8B030D-6E8A-4147-A177-3AD203B41FA5}">
-                      <a16:colId xmlns:a16="http://schemas.microsoft.com/office/drawing/2014/main" val="1212191170"/>
+                      <a16:colId xmlns:a16="http://schemas.microsoft.com/office/drawing/2014/main" xmlns="" val="1212191170"/>
                     </a:ext>
                   </a:extLst>
                 </a:gridCol>
-                <a:gridCol w="1203168">
+                <a:gridCol w="881449">
                   <a:extLst>
                     <a:ext uri="{9D8B030D-6E8A-4147-A177-3AD203B41FA5}">
-                      <a16:colId xmlns:a16="http://schemas.microsoft.com/office/drawing/2014/main" val="1701805363"/>
+                      <a16:colId xmlns:a16="http://schemas.microsoft.com/office/drawing/2014/main" xmlns="" val="1701805363"/>
                     </a:ext>
                   </a:extLst>
                 </a:gridCol>
-                <a:gridCol w="1677798">
+                <a:gridCol w="2539068">
                   <a:extLst>
                     <a:ext uri="{9D8B030D-6E8A-4147-A177-3AD203B41FA5}">
-                      <a16:colId xmlns:a16="http://schemas.microsoft.com/office/drawing/2014/main" val="2607786416"/>
+                      <a16:colId xmlns:a16="http://schemas.microsoft.com/office/drawing/2014/main" xmlns="" val="2607786416"/>
                     </a:ext>
                   </a:extLst>
                 </a:gridCol>
@@ -8203,10 +8719,22 @@
                     <a:lstStyle/>
                     <a:p>
                       <a:pPr latinLnBrk="1"/>
-                      <a:endParaRPr lang="ko-KR" altLang="en-US"/>
+                      <a:endParaRPr lang="en-US" altLang="ko-KR" dirty="0" smtClean="0"/>
+                    </a:p>
+                    <a:p>
+                      <a:pPr latinLnBrk="1"/>
+                      <a:r>
+                        <a:rPr lang="ko-KR" altLang="en-US" dirty="0" err="1" smtClean="0"/>
+                        <a:t>방이름</a:t>
+                      </a:r>
+                      <a:endParaRPr lang="ko-KR" altLang="en-US" dirty="0"/>
                     </a:p>
                   </a:txBody>
-                  <a:tcPr/>
+                  <a:tcPr>
+                    <a:solidFill>
+                      <a:schemeClr val="bg2"/>
+                    </a:solidFill>
+                  </a:tcPr>
                 </a:tc>
                 <a:tc>
                   <a:txBody>
@@ -8214,10 +8742,22 @@
                     <a:lstStyle/>
                     <a:p>
                       <a:pPr latinLnBrk="1"/>
-                      <a:endParaRPr lang="ko-KR" altLang="en-US"/>
+                      <a:endParaRPr lang="en-US" altLang="ko-KR" dirty="0" smtClean="0"/>
+                    </a:p>
+                    <a:p>
+                      <a:pPr latinLnBrk="1"/>
+                      <a:r>
+                        <a:rPr lang="ko-KR" altLang="en-US" dirty="0" smtClean="0"/>
+                        <a:t>예약자</a:t>
+                      </a:r>
+                      <a:endParaRPr lang="ko-KR" altLang="en-US" dirty="0"/>
                     </a:p>
                   </a:txBody>
-                  <a:tcPr/>
+                  <a:tcPr>
+                    <a:solidFill>
+                      <a:schemeClr val="bg2"/>
+                    </a:solidFill>
+                  </a:tcPr>
                 </a:tc>
                 <a:tc>
                   <a:txBody>
@@ -8225,10 +8765,22 @@
                     <a:lstStyle/>
                     <a:p>
                       <a:pPr latinLnBrk="1"/>
-                      <a:endParaRPr lang="ko-KR" altLang="en-US"/>
+                      <a:endParaRPr lang="en-US" altLang="ko-KR" dirty="0" smtClean="0"/>
+                    </a:p>
+                    <a:p>
+                      <a:pPr latinLnBrk="1"/>
+                      <a:r>
+                        <a:rPr lang="ko-KR" altLang="en-US" dirty="0" smtClean="0"/>
+                        <a:t>인원수</a:t>
+                      </a:r>
+                      <a:endParaRPr lang="ko-KR" altLang="en-US" dirty="0"/>
                     </a:p>
                   </a:txBody>
-                  <a:tcPr/>
+                  <a:tcPr>
+                    <a:solidFill>
+                      <a:schemeClr val="bg2"/>
+                    </a:solidFill>
+                  </a:tcPr>
                 </a:tc>
                 <a:tc>
                   <a:txBody>
@@ -8236,10 +8788,131 @@
                     <a:lstStyle/>
                     <a:p>
                       <a:pPr latinLnBrk="1"/>
-                      <a:endParaRPr lang="ko-KR" altLang="en-US"/>
+                      <a:endParaRPr lang="en-US" altLang="ko-KR" dirty="0" smtClean="0"/>
+                    </a:p>
+                    <a:p>
+                      <a:pPr latinLnBrk="1"/>
+                      <a:r>
+                        <a:rPr lang="ko-KR" altLang="en-US" dirty="0" smtClean="0"/>
+                        <a:t>가격</a:t>
+                      </a:r>
+                      <a:endParaRPr lang="ko-KR" altLang="en-US" dirty="0"/>
                     </a:p>
                   </a:txBody>
-                  <a:tcPr/>
+                  <a:tcPr>
+                    <a:solidFill>
+                      <a:schemeClr val="bg2"/>
+                    </a:solidFill>
+                  </a:tcPr>
+                </a:tc>
+                <a:tc>
+                  <a:txBody>
+                    <a:bodyPr/>
+                    <a:lstStyle/>
+                    <a:p>
+                      <a:pPr latinLnBrk="1"/>
+                      <a:endParaRPr lang="en-US" altLang="ko-KR" dirty="0"/>
+                    </a:p>
+                    <a:p>
+                      <a:pPr marL="0" marR="0" indent="0" algn="l" defTabSz="914400" rtl="0" eaLnBrk="1" fontAlgn="auto" latinLnBrk="1" hangingPunct="1">
+                        <a:lnSpc>
+                          <a:spcPct val="100000"/>
+                        </a:lnSpc>
+                        <a:spcBef>
+                          <a:spcPts val="0"/>
+                        </a:spcBef>
+                        <a:spcAft>
+                          <a:spcPts val="0"/>
+                        </a:spcAft>
+                        <a:buClrTx/>
+                        <a:buSzTx/>
+                        <a:buFontTx/>
+                        <a:buNone/>
+                        <a:tabLst/>
+                        <a:defRPr/>
+                      </a:pPr>
+                      <a:r>
+                        <a:rPr lang="ko-KR" altLang="en-US" smtClean="0"/>
+                        <a:t>리뷰작성하기</a:t>
+                      </a:r>
+                    </a:p>
+                    <a:p>
+                      <a:pPr latinLnBrk="1"/>
+                      <a:endParaRPr lang="ko-KR" altLang="en-US" dirty="0"/>
+                    </a:p>
+                  </a:txBody>
+                  <a:tcPr>
+                    <a:solidFill>
+                      <a:schemeClr val="bg2"/>
+                    </a:solidFill>
+                  </a:tcPr>
+                </a:tc>
+                <a:extLst>
+                  <a:ext uri="{0D108BD9-81ED-4DB2-BD59-A6C34878D82A}">
+                    <a16:rowId xmlns:a16="http://schemas.microsoft.com/office/drawing/2014/main" xmlns="" val="362826868"/>
+                  </a:ext>
+                </a:extLst>
+              </a:tr>
+              <a:tr h="998886">
+                <a:tc>
+                  <a:txBody>
+                    <a:bodyPr/>
+                    <a:lstStyle/>
+                    <a:p>
+                      <a:pPr latinLnBrk="1"/>
+                      <a:endParaRPr lang="ko-KR" altLang="en-US" dirty="0"/>
+                    </a:p>
+                  </a:txBody>
+                  <a:tcPr>
+                    <a:solidFill>
+                      <a:schemeClr val="bg2"/>
+                    </a:solidFill>
+                  </a:tcPr>
+                </a:tc>
+                <a:tc>
+                  <a:txBody>
+                    <a:bodyPr/>
+                    <a:lstStyle/>
+                    <a:p>
+                      <a:pPr latinLnBrk="1"/>
+                      <a:endParaRPr lang="ko-KR" altLang="en-US" dirty="0"/>
+                    </a:p>
+                  </a:txBody>
+                  <a:tcPr>
+                    <a:solidFill>
+                      <a:schemeClr val="bg2"/>
+                    </a:solidFill>
+                  </a:tcPr>
+                </a:tc>
+                <a:tc>
+                  <a:txBody>
+                    <a:bodyPr/>
+                    <a:lstStyle/>
+                    <a:p>
+                      <a:pPr latinLnBrk="1"/>
+                      <a:endParaRPr lang="ko-KR" altLang="en-US" dirty="0"/>
+                    </a:p>
+                  </a:txBody>
+                  <a:tcPr>
+                    <a:solidFill>
+                      <a:schemeClr val="bg2"/>
+                    </a:solidFill>
+                  </a:tcPr>
+                </a:tc>
+                <a:tc>
+                  <a:txBody>
+                    <a:bodyPr/>
+                    <a:lstStyle/>
+                    <a:p>
+                      <a:pPr latinLnBrk="1"/>
+                      <a:endParaRPr lang="ko-KR" altLang="en-US" dirty="0"/>
+                    </a:p>
+                  </a:txBody>
+                  <a:tcPr>
+                    <a:solidFill>
+                      <a:schemeClr val="bg2"/>
+                    </a:solidFill>
+                  </a:tcPr>
                 </a:tc>
                 <a:tc>
                   <a:txBody>
@@ -8252,16 +8925,37 @@
                     <a:p>
                       <a:pPr latinLnBrk="1"/>
                       <a:r>
-                        <a:rPr lang="ko-KR" altLang="en-US" dirty="0"/>
-                        <a:t>리뷰작성하기</a:t>
+                        <a:rPr lang="ko-KR" altLang="en-US" dirty="0" smtClean="0"/>
+                        <a:t>리뷰완료</a:t>
                       </a:r>
+                      <a:r>
+                        <a:rPr lang="en-US" altLang="ko-KR" dirty="0" smtClean="0"/>
+                        <a:t>/</a:t>
+                      </a:r>
+                      <a:r>
+                        <a:rPr lang="ko-KR" altLang="en-US" dirty="0" smtClean="0"/>
+                        <a:t>수정</a:t>
+                      </a:r>
+                      <a:r>
+                        <a:rPr lang="en-US" altLang="ko-KR" dirty="0" smtClean="0"/>
+                        <a:t>/</a:t>
+                      </a:r>
+                      <a:r>
+                        <a:rPr lang="ko-KR" altLang="en-US" dirty="0" smtClean="0"/>
+                        <a:t>삭제</a:t>
+                      </a:r>
+                      <a:endParaRPr lang="ko-KR" altLang="en-US" dirty="0"/>
                     </a:p>
                   </a:txBody>
-                  <a:tcPr/>
+                  <a:tcPr>
+                    <a:solidFill>
+                      <a:schemeClr val="bg2"/>
+                    </a:solidFill>
+                  </a:tcPr>
                 </a:tc>
                 <a:extLst>
                   <a:ext uri="{0D108BD9-81ED-4DB2-BD59-A6C34878D82A}">
-                    <a16:rowId xmlns:a16="http://schemas.microsoft.com/office/drawing/2014/main" val="362826868"/>
+                    <a16:rowId xmlns:a16="http://schemas.microsoft.com/office/drawing/2014/main" xmlns="" val="1529657336"/>
                   </a:ext>
                 </a:extLst>
               </a:tr>
@@ -8272,10 +8966,14 @@
                     <a:lstStyle/>
                     <a:p>
                       <a:pPr latinLnBrk="1"/>
-                      <a:endParaRPr lang="ko-KR" altLang="en-US"/>
+                      <a:endParaRPr lang="ko-KR" altLang="en-US" dirty="0"/>
                     </a:p>
                   </a:txBody>
-                  <a:tcPr/>
+                  <a:tcPr>
+                    <a:solidFill>
+                      <a:schemeClr val="bg2"/>
+                    </a:solidFill>
+                  </a:tcPr>
                 </a:tc>
                 <a:tc>
                   <a:txBody>
@@ -8286,7 +8984,11 @@
                       <a:endParaRPr lang="ko-KR" altLang="en-US"/>
                     </a:p>
                   </a:txBody>
-                  <a:tcPr/>
+                  <a:tcPr>
+                    <a:solidFill>
+                      <a:schemeClr val="bg2"/>
+                    </a:solidFill>
+                  </a:tcPr>
                 </a:tc>
                 <a:tc>
                   <a:txBody>
@@ -8297,7 +8999,11 @@
                       <a:endParaRPr lang="ko-KR" altLang="en-US" dirty="0"/>
                     </a:p>
                   </a:txBody>
-                  <a:tcPr/>
+                  <a:tcPr>
+                    <a:solidFill>
+                      <a:schemeClr val="bg2"/>
+                    </a:solidFill>
+                  </a:tcPr>
                 </a:tc>
                 <a:tc>
                   <a:txBody>
@@ -8308,7 +9014,11 @@
                       <a:endParaRPr lang="ko-KR" altLang="en-US"/>
                     </a:p>
                   </a:txBody>
-                  <a:tcPr/>
+                  <a:tcPr>
+                    <a:solidFill>
+                      <a:schemeClr val="bg2"/>
+                    </a:solidFill>
+                  </a:tcPr>
                 </a:tc>
                 <a:tc>
                   <a:txBody>
@@ -8326,80 +9036,15 @@
                       </a:r>
                     </a:p>
                   </a:txBody>
-                  <a:tcPr/>
+                  <a:tcPr>
+                    <a:solidFill>
+                      <a:schemeClr val="bg2"/>
+                    </a:solidFill>
+                  </a:tcPr>
                 </a:tc>
                 <a:extLst>
                   <a:ext uri="{0D108BD9-81ED-4DB2-BD59-A6C34878D82A}">
-                    <a16:rowId xmlns:a16="http://schemas.microsoft.com/office/drawing/2014/main" val="1529657336"/>
-                  </a:ext>
-                </a:extLst>
-              </a:tr>
-              <a:tr h="998886">
-                <a:tc>
-                  <a:txBody>
-                    <a:bodyPr/>
-                    <a:lstStyle/>
-                    <a:p>
-                      <a:pPr latinLnBrk="1"/>
-                      <a:endParaRPr lang="ko-KR" altLang="en-US"/>
-                    </a:p>
-                  </a:txBody>
-                  <a:tcPr/>
-                </a:tc>
-                <a:tc>
-                  <a:txBody>
-                    <a:bodyPr/>
-                    <a:lstStyle/>
-                    <a:p>
-                      <a:pPr latinLnBrk="1"/>
-                      <a:endParaRPr lang="ko-KR" altLang="en-US"/>
-                    </a:p>
-                  </a:txBody>
-                  <a:tcPr/>
-                </a:tc>
-                <a:tc>
-                  <a:txBody>
-                    <a:bodyPr/>
-                    <a:lstStyle/>
-                    <a:p>
-                      <a:pPr latinLnBrk="1"/>
-                      <a:endParaRPr lang="ko-KR" altLang="en-US" dirty="0"/>
-                    </a:p>
-                  </a:txBody>
-                  <a:tcPr/>
-                </a:tc>
-                <a:tc>
-                  <a:txBody>
-                    <a:bodyPr/>
-                    <a:lstStyle/>
-                    <a:p>
-                      <a:pPr latinLnBrk="1"/>
-                      <a:endParaRPr lang="ko-KR" altLang="en-US"/>
-                    </a:p>
-                  </a:txBody>
-                  <a:tcPr/>
-                </a:tc>
-                <a:tc>
-                  <a:txBody>
-                    <a:bodyPr/>
-                    <a:lstStyle/>
-                    <a:p>
-                      <a:pPr latinLnBrk="1"/>
-                      <a:endParaRPr lang="en-US" altLang="ko-KR" dirty="0"/>
-                    </a:p>
-                    <a:p>
-                      <a:pPr latinLnBrk="1"/>
-                      <a:r>
-                        <a:rPr lang="ko-KR" altLang="en-US" dirty="0"/>
-                        <a:t>리뷰완료</a:t>
-                      </a:r>
-                    </a:p>
-                  </a:txBody>
-                  <a:tcPr/>
-                </a:tc>
-                <a:extLst>
-                  <a:ext uri="{0D108BD9-81ED-4DB2-BD59-A6C34878D82A}">
-                    <a16:rowId xmlns:a16="http://schemas.microsoft.com/office/drawing/2014/main" val="2131686572"/>
+                    <a16:rowId xmlns:a16="http://schemas.microsoft.com/office/drawing/2014/main" xmlns="" val="2131686572"/>
                   </a:ext>
                 </a:extLst>
               </a:tr>
@@ -8412,7 +9057,7 @@
           <p:cNvPr id="6" name="TextBox 5">
             <a:extLst>
               <a:ext uri="{FF2B5EF4-FFF2-40B4-BE49-F238E27FC236}">
-                <a16:creationId xmlns:a16="http://schemas.microsoft.com/office/drawing/2014/main" id="{C00D9683-7E38-0526-B5D0-9A67F663ACC7}"/>
+                <a16:creationId xmlns:a16="http://schemas.microsoft.com/office/drawing/2014/main" xmlns="" id="{C00D9683-7E38-0526-B5D0-9A67F663ACC7}"/>
               </a:ext>
             </a:extLst>
           </p:cNvPr>
@@ -8465,7 +9110,7 @@
     </p:spTree>
     <p:extLst>
       <p:ext uri="{BB962C8B-B14F-4D97-AF65-F5344CB8AC3E}">
-        <p14:creationId xmlns:p14="http://schemas.microsoft.com/office/powerpoint/2010/main" val="1764768030"/>
+        <p14:creationId xmlns:p14="http://schemas.microsoft.com/office/powerpoint/2010/main" xmlns="" val="1764768030"/>
       </p:ext>
     </p:extLst>
   </p:cSld>
@@ -8497,7 +9142,7 @@
           <p:cNvPr id="4" name="직사각형 3">
             <a:extLst>
               <a:ext uri="{FF2B5EF4-FFF2-40B4-BE49-F238E27FC236}">
-                <a16:creationId xmlns:a16="http://schemas.microsoft.com/office/drawing/2014/main" id="{F012BD01-A80E-5E08-B71B-D94FF6CCA886}"/>
+                <a16:creationId xmlns:a16="http://schemas.microsoft.com/office/drawing/2014/main" xmlns="" id="{F012BD01-A80E-5E08-B71B-D94FF6CCA886}"/>
               </a:ext>
             </a:extLst>
           </p:cNvPr>
@@ -8549,7 +9194,7 @@
           <p:cNvPr id="5" name="TextBox 4">
             <a:extLst>
               <a:ext uri="{FF2B5EF4-FFF2-40B4-BE49-F238E27FC236}">
-                <a16:creationId xmlns:a16="http://schemas.microsoft.com/office/drawing/2014/main" id="{B54E14DD-60EF-4A40-B8FA-403D24565AFA}"/>
+                <a16:creationId xmlns:a16="http://schemas.microsoft.com/office/drawing/2014/main" xmlns="" id="{B54E14DD-60EF-4A40-B8FA-403D24565AFA}"/>
               </a:ext>
             </a:extLst>
           </p:cNvPr>
@@ -8584,7 +9229,7 @@
           <p:cNvPr id="23" name="직사각형 22">
             <a:extLst>
               <a:ext uri="{FF2B5EF4-FFF2-40B4-BE49-F238E27FC236}">
-                <a16:creationId xmlns:a16="http://schemas.microsoft.com/office/drawing/2014/main" id="{90F6933B-68B5-243A-BF60-6328CACD372D}"/>
+                <a16:creationId xmlns:a16="http://schemas.microsoft.com/office/drawing/2014/main" xmlns="" id="{90F6933B-68B5-243A-BF60-6328CACD372D}"/>
               </a:ext>
             </a:extLst>
           </p:cNvPr>
@@ -8659,7 +9304,7 @@
           <p:cNvPr id="2" name="TextBox 1">
             <a:extLst>
               <a:ext uri="{FF2B5EF4-FFF2-40B4-BE49-F238E27FC236}">
-                <a16:creationId xmlns:a16="http://schemas.microsoft.com/office/drawing/2014/main" id="{0E99756C-357D-6F4B-A01A-3F1ED378F895}"/>
+                <a16:creationId xmlns:a16="http://schemas.microsoft.com/office/drawing/2014/main" xmlns="" id="{0E99756C-357D-6F4B-A01A-3F1ED378F895}"/>
               </a:ext>
             </a:extLst>
           </p:cNvPr>
@@ -8669,7 +9314,7 @@
         <p:spPr>
           <a:xfrm>
             <a:off x="3004657" y="1276524"/>
-            <a:ext cx="1189749" cy="369332"/>
+            <a:ext cx="1651414" cy="369332"/>
           </a:xfrm>
           <a:prstGeom prst="rect">
             <a:avLst/>
@@ -8683,186 +9328,376 @@
           <a:lstStyle/>
           <a:p>
             <a:r>
-              <a:rPr lang="ko-KR" altLang="en-US" dirty="0"/>
-              <a:t>리뷰 작성</a:t>
-            </a:r>
-          </a:p>
-        </p:txBody>
-      </p:sp>
-      <p:sp>
-        <p:nvSpPr>
-          <p:cNvPr id="7" name="직사각형 6">
-            <a:extLst>
-              <a:ext uri="{FF2B5EF4-FFF2-40B4-BE49-F238E27FC236}">
-                <a16:creationId xmlns:a16="http://schemas.microsoft.com/office/drawing/2014/main" id="{B1B75F1D-0182-29E3-650D-D56336426937}"/>
-              </a:ext>
-            </a:extLst>
-          </p:cNvPr>
-          <p:cNvSpPr/>
-          <p:nvPr/>
-        </p:nvSpPr>
-        <p:spPr>
-          <a:xfrm>
-            <a:off x="3033133" y="1705061"/>
-            <a:ext cx="7067212" cy="3876415"/>
-          </a:xfrm>
-          <a:prstGeom prst="rect">
-            <a:avLst/>
-          </a:prstGeom>
-          <a:noFill/>
-          <a:ln>
-            <a:solidFill>
-              <a:schemeClr val="tx1"/>
-            </a:solidFill>
-          </a:ln>
-        </p:spPr>
-        <p:style>
-          <a:lnRef idx="2">
-            <a:schemeClr val="accent1">
-              <a:shade val="15000"/>
-            </a:schemeClr>
-          </a:lnRef>
-          <a:fillRef idx="1">
-            <a:schemeClr val="accent1"/>
-          </a:fillRef>
-          <a:effectRef idx="0">
-            <a:schemeClr val="accent1"/>
-          </a:effectRef>
-          <a:fontRef idx="minor">
-            <a:schemeClr val="lt1"/>
-          </a:fontRef>
-        </p:style>
-        <p:txBody>
-          <a:bodyPr rtlCol="0" anchor="ctr"/>
-          <a:lstStyle/>
-          <a:p>
-            <a:pPr algn="ctr"/>
-            <a:endParaRPr lang="ko-KR" altLang="en-US"/>
-          </a:p>
-        </p:txBody>
-      </p:sp>
-      <p:sp>
-        <p:nvSpPr>
-          <p:cNvPr id="8" name="직사각형 7">
-            <a:extLst>
-              <a:ext uri="{FF2B5EF4-FFF2-40B4-BE49-F238E27FC236}">
-                <a16:creationId xmlns:a16="http://schemas.microsoft.com/office/drawing/2014/main" id="{909B0902-DF23-AB75-E15E-F3CE4167CB03}"/>
-              </a:ext>
-            </a:extLst>
-          </p:cNvPr>
-          <p:cNvSpPr/>
-          <p:nvPr/>
-        </p:nvSpPr>
-        <p:spPr>
-          <a:xfrm>
-            <a:off x="3245586" y="2023142"/>
-            <a:ext cx="5990693" cy="2313965"/>
-          </a:xfrm>
-          <a:prstGeom prst="rect">
-            <a:avLst/>
-          </a:prstGeom>
-          <a:noFill/>
-          <a:ln>
-            <a:solidFill>
-              <a:schemeClr val="tx1"/>
-            </a:solidFill>
-          </a:ln>
-        </p:spPr>
-        <p:style>
-          <a:lnRef idx="2">
-            <a:schemeClr val="accent1">
-              <a:shade val="15000"/>
-            </a:schemeClr>
-          </a:lnRef>
-          <a:fillRef idx="1">
-            <a:schemeClr val="accent1"/>
-          </a:fillRef>
-          <a:effectRef idx="0">
-            <a:schemeClr val="accent1"/>
-          </a:effectRef>
-          <a:fontRef idx="minor">
-            <a:schemeClr val="lt1"/>
-          </a:fontRef>
-        </p:style>
-        <p:txBody>
-          <a:bodyPr rtlCol="0" anchor="ctr"/>
-          <a:lstStyle/>
-          <a:p>
-            <a:pPr algn="ctr"/>
-            <a:endParaRPr lang="ko-KR" altLang="en-US"/>
-          </a:p>
-        </p:txBody>
-      </p:sp>
-      <p:sp>
-        <p:nvSpPr>
-          <p:cNvPr id="12" name="직사각형 11">
-            <a:extLst>
-              <a:ext uri="{FF2B5EF4-FFF2-40B4-BE49-F238E27FC236}">
-                <a16:creationId xmlns:a16="http://schemas.microsoft.com/office/drawing/2014/main" id="{297A27A4-446E-D49F-0D61-C22B2D2352E6}"/>
-              </a:ext>
-            </a:extLst>
-          </p:cNvPr>
-          <p:cNvSpPr/>
-          <p:nvPr/>
-        </p:nvSpPr>
-        <p:spPr>
-          <a:xfrm>
-            <a:off x="9016768" y="5030033"/>
-            <a:ext cx="721262" cy="369332"/>
-          </a:xfrm>
-          <a:prstGeom prst="rect">
-            <a:avLst/>
-          </a:prstGeom>
-          <a:noFill/>
-          <a:ln>
-            <a:solidFill>
-              <a:schemeClr val="tx1"/>
-            </a:solidFill>
-          </a:ln>
-        </p:spPr>
-        <p:style>
-          <a:lnRef idx="2">
-            <a:schemeClr val="accent1">
-              <a:shade val="15000"/>
-            </a:schemeClr>
-          </a:lnRef>
-          <a:fillRef idx="1">
-            <a:schemeClr val="accent1"/>
-          </a:fillRef>
-          <a:effectRef idx="0">
-            <a:schemeClr val="accent1"/>
-          </a:effectRef>
-          <a:fontRef idx="minor">
-            <a:schemeClr val="lt1"/>
-          </a:fontRef>
-        </p:style>
-        <p:txBody>
-          <a:bodyPr rtlCol="0" anchor="ctr"/>
-          <a:lstStyle/>
-          <a:p>
-            <a:pPr algn="ctr"/>
-            <a:r>
-              <a:rPr lang="ko-KR" altLang="en-US">
-                <a:solidFill>
-                  <a:schemeClr val="tx1"/>
-                </a:solidFill>
-              </a:rPr>
-              <a:t>확인</a:t>
-            </a:r>
-            <a:endParaRPr lang="ko-KR" altLang="en-US" dirty="0">
-              <a:solidFill>
-                <a:schemeClr val="tx1"/>
-              </a:solidFill>
-            </a:endParaRPr>
-          </a:p>
-        </p:txBody>
-      </p:sp>
-      <p:sp>
-        <p:nvSpPr>
-          <p:cNvPr id="21" name="TextBox 20">
-            <a:extLst>
-              <a:ext uri="{FF2B5EF4-FFF2-40B4-BE49-F238E27FC236}">
-                <a16:creationId xmlns:a16="http://schemas.microsoft.com/office/drawing/2014/main" id="{5B42E55B-3E33-85D2-8AC0-4F2F2F5A8C3A}"/>
+              <a:rPr lang="ko-KR" altLang="en-US" dirty="0" smtClean="0"/>
+              <a:t>전체 리뷰</a:t>
+            </a:r>
+            <a:r>
+              <a:rPr lang="ko-KR" altLang="en-US" dirty="0" smtClean="0"/>
+              <a:t>목록</a:t>
+            </a:r>
+            <a:endParaRPr lang="ko-KR" altLang="en-US" dirty="0"/>
+          </a:p>
+        </p:txBody>
+      </p:sp>
+      <p:graphicFrame>
+        <p:nvGraphicFramePr>
+          <p:cNvPr id="3" name="표 5">
+            <a:extLst>
+              <a:ext uri="{FF2B5EF4-FFF2-40B4-BE49-F238E27FC236}">
+                <a16:creationId xmlns:a16="http://schemas.microsoft.com/office/drawing/2014/main" xmlns="" id="{39959444-0D58-7E23-7DBA-4E5874A0BBF1}"/>
+              </a:ext>
+            </a:extLst>
+          </p:cNvPr>
+          <p:cNvGraphicFramePr>
+            <a:graphicFrameLocks noGrp="1"/>
+          </p:cNvGraphicFramePr>
+          <p:nvPr>
+            <p:extLst>
+              <p:ext uri="{D42A27DB-BD31-4B8C-83A1-F6EECF244321}">
+                <p14:modId xmlns:p14="http://schemas.microsoft.com/office/powerpoint/2010/main" xmlns="" val="2924329034"/>
+              </p:ext>
+            </p:extLst>
+          </p:nvPr>
+        </p:nvGraphicFramePr>
+        <p:xfrm>
+          <a:off x="2956653" y="1952848"/>
+          <a:ext cx="7202415" cy="2996658"/>
+        </p:xfrm>
+        <a:graphic>
+          <a:graphicData uri="http://schemas.openxmlformats.org/drawingml/2006/table">
+            <a:tbl>
+              <a:tblPr firstRow="1" bandRow="1">
+                <a:tableStyleId>{5C22544A-7EE6-4342-B048-85BDC9FD1C3A}</a:tableStyleId>
+              </a:tblPr>
+              <a:tblGrid>
+                <a:gridCol w="1440483">
+                  <a:extLst>
+                    <a:ext uri="{9D8B030D-6E8A-4147-A177-3AD203B41FA5}">
+                      <a16:colId xmlns:a16="http://schemas.microsoft.com/office/drawing/2014/main" xmlns="" val="2516181478"/>
+                    </a:ext>
+                  </a:extLst>
+                </a:gridCol>
+                <a:gridCol w="1081026">
+                  <a:extLst>
+                    <a:ext uri="{9D8B030D-6E8A-4147-A177-3AD203B41FA5}">
+                      <a16:colId xmlns:a16="http://schemas.microsoft.com/office/drawing/2014/main" xmlns="" val="1650150208"/>
+                    </a:ext>
+                  </a:extLst>
+                </a:gridCol>
+                <a:gridCol w="1260389">
+                  <a:extLst>
+                    <a:ext uri="{9D8B030D-6E8A-4147-A177-3AD203B41FA5}">
+                      <a16:colId xmlns:a16="http://schemas.microsoft.com/office/drawing/2014/main" xmlns="" val="1212191170"/>
+                    </a:ext>
+                  </a:extLst>
+                </a:gridCol>
+                <a:gridCol w="1449860">
+                  <a:extLst>
+                    <a:ext uri="{9D8B030D-6E8A-4147-A177-3AD203B41FA5}">
+                      <a16:colId xmlns:a16="http://schemas.microsoft.com/office/drawing/2014/main" xmlns="" val="1701805363"/>
+                    </a:ext>
+                  </a:extLst>
+                </a:gridCol>
+                <a:gridCol w="1970657">
+                  <a:extLst>
+                    <a:ext uri="{9D8B030D-6E8A-4147-A177-3AD203B41FA5}">
+                      <a16:colId xmlns:a16="http://schemas.microsoft.com/office/drawing/2014/main" xmlns="" val="2607786416"/>
+                    </a:ext>
+                  </a:extLst>
+                </a:gridCol>
+              </a:tblGrid>
+              <a:tr h="998886">
+                <a:tc>
+                  <a:txBody>
+                    <a:bodyPr/>
+                    <a:lstStyle/>
+                    <a:p>
+                      <a:pPr latinLnBrk="1"/>
+                      <a:endParaRPr lang="en-US" altLang="ko-KR" dirty="0" smtClean="0"/>
+                    </a:p>
+                    <a:p>
+                      <a:pPr latinLnBrk="1"/>
+                      <a:r>
+                        <a:rPr lang="ko-KR" altLang="en-US" dirty="0" err="1" smtClean="0"/>
+                        <a:t>방이름</a:t>
+                      </a:r>
+                      <a:endParaRPr lang="ko-KR" altLang="en-US" dirty="0"/>
+                    </a:p>
+                  </a:txBody>
+                  <a:tcPr>
+                    <a:solidFill>
+                      <a:schemeClr val="bg2"/>
+                    </a:solidFill>
+                  </a:tcPr>
+                </a:tc>
+                <a:tc>
+                  <a:txBody>
+                    <a:bodyPr/>
+                    <a:lstStyle/>
+                    <a:p>
+                      <a:pPr latinLnBrk="1"/>
+                      <a:endParaRPr lang="en-US" altLang="ko-KR" dirty="0" smtClean="0"/>
+                    </a:p>
+                    <a:p>
+                      <a:pPr latinLnBrk="1"/>
+                      <a:r>
+                        <a:rPr lang="ko-KR" altLang="en-US" dirty="0" smtClean="0"/>
+                        <a:t>예약자</a:t>
+                      </a:r>
+                      <a:endParaRPr lang="ko-KR" altLang="en-US" dirty="0"/>
+                    </a:p>
+                  </a:txBody>
+                  <a:tcPr>
+                    <a:solidFill>
+                      <a:schemeClr val="bg2"/>
+                    </a:solidFill>
+                  </a:tcPr>
+                </a:tc>
+                <a:tc>
+                  <a:txBody>
+                    <a:bodyPr/>
+                    <a:lstStyle/>
+                    <a:p>
+                      <a:pPr latinLnBrk="1"/>
+                      <a:endParaRPr lang="en-US" altLang="ko-KR" dirty="0" smtClean="0"/>
+                    </a:p>
+                    <a:p>
+                      <a:pPr latinLnBrk="1"/>
+                      <a:r>
+                        <a:rPr lang="ko-KR" altLang="en-US" dirty="0" smtClean="0"/>
+                        <a:t>리뷰내용</a:t>
+                      </a:r>
+                      <a:endParaRPr lang="ko-KR" altLang="en-US" dirty="0"/>
+                    </a:p>
+                  </a:txBody>
+                  <a:tcPr>
+                    <a:solidFill>
+                      <a:schemeClr val="bg2"/>
+                    </a:solidFill>
+                  </a:tcPr>
+                </a:tc>
+                <a:tc>
+                  <a:txBody>
+                    <a:bodyPr/>
+                    <a:lstStyle/>
+                    <a:p>
+                      <a:pPr latinLnBrk="1"/>
+                      <a:endParaRPr lang="en-US" altLang="ko-KR" dirty="0" smtClean="0"/>
+                    </a:p>
+                    <a:p>
+                      <a:pPr latinLnBrk="1"/>
+                      <a:r>
+                        <a:rPr lang="ko-KR" altLang="en-US" dirty="0" smtClean="0"/>
+                        <a:t>가격</a:t>
+                      </a:r>
+                      <a:endParaRPr lang="ko-KR" altLang="en-US" dirty="0"/>
+                    </a:p>
+                  </a:txBody>
+                  <a:tcPr>
+                    <a:solidFill>
+                      <a:schemeClr val="bg2"/>
+                    </a:solidFill>
+                  </a:tcPr>
+                </a:tc>
+                <a:tc>
+                  <a:txBody>
+                    <a:bodyPr/>
+                    <a:lstStyle/>
+                    <a:p>
+                      <a:pPr latinLnBrk="1"/>
+                      <a:endParaRPr lang="en-US" altLang="ko-KR" dirty="0"/>
+                    </a:p>
+                    <a:p>
+                      <a:pPr latinLnBrk="1"/>
+                      <a:endParaRPr lang="ko-KR" altLang="en-US" dirty="0"/>
+                    </a:p>
+                  </a:txBody>
+                  <a:tcPr>
+                    <a:solidFill>
+                      <a:schemeClr val="bg2"/>
+                    </a:solidFill>
+                  </a:tcPr>
+                </a:tc>
+                <a:extLst>
+                  <a:ext uri="{0D108BD9-81ED-4DB2-BD59-A6C34878D82A}">
+                    <a16:rowId xmlns:a16="http://schemas.microsoft.com/office/drawing/2014/main" xmlns="" val="362826868"/>
+                  </a:ext>
+                </a:extLst>
+              </a:tr>
+              <a:tr h="998886">
+                <a:tc>
+                  <a:txBody>
+                    <a:bodyPr/>
+                    <a:lstStyle/>
+                    <a:p>
+                      <a:pPr latinLnBrk="1"/>
+                      <a:endParaRPr lang="ko-KR" altLang="en-US" dirty="0"/>
+                    </a:p>
+                  </a:txBody>
+                  <a:tcPr>
+                    <a:solidFill>
+                      <a:schemeClr val="bg2"/>
+                    </a:solidFill>
+                  </a:tcPr>
+                </a:tc>
+                <a:tc>
+                  <a:txBody>
+                    <a:bodyPr/>
+                    <a:lstStyle/>
+                    <a:p>
+                      <a:pPr latinLnBrk="1"/>
+                      <a:endParaRPr lang="ko-KR" altLang="en-US" dirty="0"/>
+                    </a:p>
+                  </a:txBody>
+                  <a:tcPr>
+                    <a:solidFill>
+                      <a:schemeClr val="bg2"/>
+                    </a:solidFill>
+                  </a:tcPr>
+                </a:tc>
+                <a:tc>
+                  <a:txBody>
+                    <a:bodyPr/>
+                    <a:lstStyle/>
+                    <a:p>
+                      <a:pPr latinLnBrk="1"/>
+                      <a:endParaRPr lang="ko-KR" altLang="en-US" dirty="0"/>
+                    </a:p>
+                  </a:txBody>
+                  <a:tcPr>
+                    <a:solidFill>
+                      <a:schemeClr val="bg2"/>
+                    </a:solidFill>
+                  </a:tcPr>
+                </a:tc>
+                <a:tc>
+                  <a:txBody>
+                    <a:bodyPr/>
+                    <a:lstStyle/>
+                    <a:p>
+                      <a:pPr latinLnBrk="1"/>
+                      <a:endParaRPr lang="ko-KR" altLang="en-US" dirty="0"/>
+                    </a:p>
+                  </a:txBody>
+                  <a:tcPr>
+                    <a:solidFill>
+                      <a:schemeClr val="bg2"/>
+                    </a:solidFill>
+                  </a:tcPr>
+                </a:tc>
+                <a:tc>
+                  <a:txBody>
+                    <a:bodyPr/>
+                    <a:lstStyle/>
+                    <a:p>
+                      <a:pPr latinLnBrk="1"/>
+                      <a:endParaRPr lang="ko-KR" altLang="en-US" dirty="0"/>
+                    </a:p>
+                  </a:txBody>
+                  <a:tcPr>
+                    <a:solidFill>
+                      <a:schemeClr val="bg2"/>
+                    </a:solidFill>
+                  </a:tcPr>
+                </a:tc>
+                <a:extLst>
+                  <a:ext uri="{0D108BD9-81ED-4DB2-BD59-A6C34878D82A}">
+                    <a16:rowId xmlns:a16="http://schemas.microsoft.com/office/drawing/2014/main" xmlns="" val="1529657336"/>
+                  </a:ext>
+                </a:extLst>
+              </a:tr>
+              <a:tr h="998886">
+                <a:tc>
+                  <a:txBody>
+                    <a:bodyPr/>
+                    <a:lstStyle/>
+                    <a:p>
+                      <a:pPr latinLnBrk="1"/>
+                      <a:endParaRPr lang="ko-KR" altLang="en-US" dirty="0"/>
+                    </a:p>
+                  </a:txBody>
+                  <a:tcPr>
+                    <a:solidFill>
+                      <a:schemeClr val="bg2"/>
+                    </a:solidFill>
+                  </a:tcPr>
+                </a:tc>
+                <a:tc>
+                  <a:txBody>
+                    <a:bodyPr/>
+                    <a:lstStyle/>
+                    <a:p>
+                      <a:pPr latinLnBrk="1"/>
+                      <a:endParaRPr lang="ko-KR" altLang="en-US"/>
+                    </a:p>
+                  </a:txBody>
+                  <a:tcPr>
+                    <a:solidFill>
+                      <a:schemeClr val="bg2"/>
+                    </a:solidFill>
+                  </a:tcPr>
+                </a:tc>
+                <a:tc>
+                  <a:txBody>
+                    <a:bodyPr/>
+                    <a:lstStyle/>
+                    <a:p>
+                      <a:pPr latinLnBrk="1"/>
+                      <a:endParaRPr lang="ko-KR" altLang="en-US" dirty="0"/>
+                    </a:p>
+                  </a:txBody>
+                  <a:tcPr>
+                    <a:solidFill>
+                      <a:schemeClr val="bg2"/>
+                    </a:solidFill>
+                  </a:tcPr>
+                </a:tc>
+                <a:tc>
+                  <a:txBody>
+                    <a:bodyPr/>
+                    <a:lstStyle/>
+                    <a:p>
+                      <a:pPr latinLnBrk="1"/>
+                      <a:endParaRPr lang="ko-KR" altLang="en-US"/>
+                    </a:p>
+                  </a:txBody>
+                  <a:tcPr>
+                    <a:solidFill>
+                      <a:schemeClr val="bg2"/>
+                    </a:solidFill>
+                  </a:tcPr>
+                </a:tc>
+                <a:tc>
+                  <a:txBody>
+                    <a:bodyPr/>
+                    <a:lstStyle/>
+                    <a:p>
+                      <a:pPr latinLnBrk="1"/>
+                      <a:endParaRPr lang="ko-KR" altLang="en-US" dirty="0"/>
+                    </a:p>
+                  </a:txBody>
+                  <a:tcPr>
+                    <a:solidFill>
+                      <a:schemeClr val="bg2"/>
+                    </a:solidFill>
+                  </a:tcPr>
+                </a:tc>
+                <a:extLst>
+                  <a:ext uri="{0D108BD9-81ED-4DB2-BD59-A6C34878D82A}">
+                    <a16:rowId xmlns:a16="http://schemas.microsoft.com/office/drawing/2014/main" xmlns="" val="2131686572"/>
+                  </a:ext>
+                </a:extLst>
+              </a:tr>
+            </a:tbl>
+          </a:graphicData>
+        </a:graphic>
+      </p:graphicFrame>
+      <p:sp>
+        <p:nvSpPr>
+          <p:cNvPr id="6" name="TextBox 5">
+            <a:extLst>
+              <a:ext uri="{FF2B5EF4-FFF2-40B4-BE49-F238E27FC236}">
+                <a16:creationId xmlns:a16="http://schemas.microsoft.com/office/drawing/2014/main" xmlns="" id="{C00D9683-7E38-0526-B5D0-9A67F663ACC7}"/>
               </a:ext>
             </a:extLst>
           </p:cNvPr>
@@ -8871,8 +9706,8 @@
         </p:nvSpPr>
         <p:spPr>
           <a:xfrm>
-            <a:off x="3245586" y="4518479"/>
-            <a:ext cx="861133" cy="369332"/>
+            <a:off x="2178950" y="6018884"/>
+            <a:ext cx="6564554" cy="369332"/>
           </a:xfrm>
           <a:prstGeom prst="rect">
             <a:avLst/>
@@ -8886,77 +9721,36 @@
           <a:lstStyle/>
           <a:p>
             <a:r>
+              <a:rPr lang="en-US" altLang="ko-KR" dirty="0"/>
+              <a:t>*</a:t>
+            </a:r>
+            <a:r>
               <a:rPr lang="ko-KR" altLang="en-US" dirty="0"/>
-              <a:t>평점 </a:t>
+              <a:t> 해당 </a:t>
             </a:r>
             <a:r>
               <a:rPr lang="en-US" altLang="ko-KR" dirty="0"/>
-              <a:t>: </a:t>
-            </a:r>
-            <a:endParaRPr lang="ko-KR" altLang="en-US" dirty="0"/>
-          </a:p>
-        </p:txBody>
-      </p:sp>
-      <p:sp>
-        <p:nvSpPr>
-          <p:cNvPr id="22" name="직사각형 21">
-            <a:extLst>
-              <a:ext uri="{FF2B5EF4-FFF2-40B4-BE49-F238E27FC236}">
-                <a16:creationId xmlns:a16="http://schemas.microsoft.com/office/drawing/2014/main" id="{B6DD37FB-83E0-B8B9-362B-DE612D4A983A}"/>
-              </a:ext>
-            </a:extLst>
-          </p:cNvPr>
-          <p:cNvSpPr/>
-          <p:nvPr/>
-        </p:nvSpPr>
-        <p:spPr>
-          <a:xfrm>
-            <a:off x="4046599" y="4520818"/>
-            <a:ext cx="721262" cy="369332"/>
-          </a:xfrm>
-          <a:prstGeom prst="rect">
-            <a:avLst/>
-          </a:prstGeom>
-          <a:noFill/>
-          <a:ln>
-            <a:solidFill>
-              <a:schemeClr val="tx1"/>
-            </a:solidFill>
-          </a:ln>
-        </p:spPr>
-        <p:style>
-          <a:lnRef idx="2">
-            <a:schemeClr val="accent1">
-              <a:shade val="15000"/>
-            </a:schemeClr>
-          </a:lnRef>
-          <a:fillRef idx="1">
-            <a:schemeClr val="accent1"/>
-          </a:fillRef>
-          <a:effectRef idx="0">
-            <a:schemeClr val="accent1"/>
-          </a:effectRef>
-          <a:fontRef idx="minor">
-            <a:schemeClr val="lt1"/>
-          </a:fontRef>
-        </p:style>
-        <p:txBody>
-          <a:bodyPr rtlCol="0" anchor="ctr"/>
-          <a:lstStyle/>
-          <a:p>
-            <a:pPr algn="ctr"/>
-            <a:endParaRPr lang="ko-KR" altLang="en-US" dirty="0">
-              <a:solidFill>
-                <a:schemeClr val="tx1"/>
-              </a:solidFill>
-            </a:endParaRPr>
+              <a:t>row</a:t>
+            </a:r>
+            <a:r>
+              <a:rPr lang="ko-KR" altLang="en-US" dirty="0"/>
+              <a:t>의 리뷰작성 버튼</a:t>
+            </a:r>
+            <a:r>
+              <a:rPr lang="en-US" altLang="ko-KR" dirty="0"/>
+              <a:t> </a:t>
+            </a:r>
+            <a:r>
+              <a:rPr lang="ko-KR" altLang="en-US" dirty="0"/>
+              <a:t>클릭 시 리뷰 작성 페이지로 이동</a:t>
+            </a:r>
           </a:p>
         </p:txBody>
       </p:sp>
     </p:spTree>
     <p:extLst>
       <p:ext uri="{BB962C8B-B14F-4D97-AF65-F5344CB8AC3E}">
-        <p14:creationId xmlns:p14="http://schemas.microsoft.com/office/powerpoint/2010/main" val="3238696934"/>
+        <p14:creationId xmlns:p14="http://schemas.microsoft.com/office/powerpoint/2010/main" xmlns="" val="1764768030"/>
       </p:ext>
     </p:extLst>
   </p:cSld>
@@ -9009,7 +9803,7 @@
     </a:clrScheme>
     <a:fontScheme name="Office">
       <a:majorFont>
-        <a:latin typeface="맑은 고딕" panose="020F0302020204030204"/>
+        <a:latin typeface="맑은 고딕"/>
         <a:ea typeface=""/>
         <a:cs typeface=""/>
         <a:font script="Jpan" typeface="游ゴシック Light"/>
@@ -9061,7 +9855,7 @@
         <a:font script="Tfng" typeface="Ebrima"/>
       </a:majorFont>
       <a:minorFont>
-        <a:latin typeface="맑은 고딕" panose="020F0502020204030204"/>
+        <a:latin typeface="맑은 고딕"/>
         <a:ea typeface=""/>
         <a:cs typeface=""/>
         <a:font script="Jpan" typeface="游ゴシック"/>
@@ -9255,7 +10049,7 @@
   <a:extraClrSchemeLst/>
   <a:extLst>
     <a:ext uri="{05A4C25C-085E-4340-85A3-A5531E510DB2}">
-      <thm15:themeFamily xmlns:thm15="http://schemas.microsoft.com/office/thememl/2012/main" name="Office Theme" id="{62F939B6-93AF-4DB8-9C6B-D6C7DFDC589F}" vid="{4A3C46E8-61CC-4603-A589-7422A47A8E4A}"/>
+      <thm15:themeFamily xmlns:thm15="http://schemas.microsoft.com/office/thememl/2012/main" xmlns="" name="Office Theme" id="{62F939B6-93AF-4DB8-9C6B-D6C7DFDC589F}" vid="{4A3C46E8-61CC-4603-A589-7422A47A8E4A}"/>
     </a:ext>
   </a:extLst>
 </a:theme>
